--- a/presentation/TreeColors_pres.pptx
+++ b/presentation/TreeColors_pres.pptx
@@ -5,7 +5,7 @@
     <p:sldMasterId id="2147483648" r:id="rId1"/>
   </p:sldMasterIdLst>
   <p:notesMasterIdLst>
-    <p:notesMasterId r:id="rId18"/>
+    <p:notesMasterId r:id="rId23"/>
   </p:notesMasterIdLst>
   <p:sldIdLst>
     <p:sldId id="265" r:id="rId2"/>
@@ -18,12 +18,17 @@
     <p:sldId id="264" r:id="rId9"/>
     <p:sldId id="270" r:id="rId10"/>
     <p:sldId id="271" r:id="rId11"/>
-    <p:sldId id="272" r:id="rId12"/>
-    <p:sldId id="275" r:id="rId13"/>
-    <p:sldId id="276" r:id="rId14"/>
-    <p:sldId id="263" r:id="rId15"/>
+    <p:sldId id="275" r:id="rId12"/>
+    <p:sldId id="276" r:id="rId13"/>
+    <p:sldId id="263" r:id="rId14"/>
+    <p:sldId id="278" r:id="rId15"/>
     <p:sldId id="274" r:id="rId16"/>
-    <p:sldId id="273" r:id="rId17"/>
+    <p:sldId id="277" r:id="rId17"/>
+    <p:sldId id="273" r:id="rId18"/>
+    <p:sldId id="280" r:id="rId19"/>
+    <p:sldId id="281" r:id="rId20"/>
+    <p:sldId id="279" r:id="rId21"/>
+    <p:sldId id="282" r:id="rId22"/>
   </p:sldIdLst>
   <p:sldSz cx="12188825" cy="6858000"/>
   <p:notesSz cx="6858000" cy="9144000"/>
@@ -207,7 +212,7 @@
           <a:p>
             <a:fld id="{721236E3-DA65-414E-AA43-53846CCDDCB8}" type="datetimeFigureOut">
               <a:rPr lang="en-US" smtClean="0"/>
-              <a:t>14/09/25</a:t>
+              <a:t>14/09/26</a:t>
             </a:fld>
             <a:endParaRPr lang="en-US"/>
           </a:p>
@@ -656,7 +661,7 @@
           <a:p>
             <a:fld id="{4E04481B-5184-42E3-AF7F-92F05CC1FED4}" type="datetimeFigureOut">
               <a:rPr lang="en-US" smtClean="0"/>
-              <a:t>14/09/25</a:t>
+              <a:t>14/09/26</a:t>
             </a:fld>
             <a:endParaRPr lang="en-US"/>
           </a:p>
@@ -826,7 +831,7 @@
           <a:p>
             <a:fld id="{4E04481B-5184-42E3-AF7F-92F05CC1FED4}" type="datetimeFigureOut">
               <a:rPr lang="en-US" smtClean="0"/>
-              <a:t>14/09/25</a:t>
+              <a:t>14/09/26</a:t>
             </a:fld>
             <a:endParaRPr lang="en-US"/>
           </a:p>
@@ -1006,7 +1011,7 @@
           <a:p>
             <a:fld id="{4E04481B-5184-42E3-AF7F-92F05CC1FED4}" type="datetimeFigureOut">
               <a:rPr lang="en-US" smtClean="0"/>
-              <a:t>14/09/25</a:t>
+              <a:t>14/09/26</a:t>
             </a:fld>
             <a:endParaRPr lang="en-US"/>
           </a:p>
@@ -1176,7 +1181,7 @@
           <a:p>
             <a:fld id="{4E04481B-5184-42E3-AF7F-92F05CC1FED4}" type="datetimeFigureOut">
               <a:rPr lang="en-US" smtClean="0"/>
-              <a:t>14/09/25</a:t>
+              <a:t>14/09/26</a:t>
             </a:fld>
             <a:endParaRPr lang="en-US"/>
           </a:p>
@@ -1422,7 +1427,7 @@
           <a:p>
             <a:fld id="{4E04481B-5184-42E3-AF7F-92F05CC1FED4}" type="datetimeFigureOut">
               <a:rPr lang="en-US" smtClean="0"/>
-              <a:t>14/09/25</a:t>
+              <a:t>14/09/26</a:t>
             </a:fld>
             <a:endParaRPr lang="en-US"/>
           </a:p>
@@ -1710,7 +1715,7 @@
           <a:p>
             <a:fld id="{4E04481B-5184-42E3-AF7F-92F05CC1FED4}" type="datetimeFigureOut">
               <a:rPr lang="en-US" smtClean="0"/>
-              <a:t>14/09/25</a:t>
+              <a:t>14/09/26</a:t>
             </a:fld>
             <a:endParaRPr lang="en-US"/>
           </a:p>
@@ -2132,7 +2137,7 @@
           <a:p>
             <a:fld id="{4E04481B-5184-42E3-AF7F-92F05CC1FED4}" type="datetimeFigureOut">
               <a:rPr lang="en-US" smtClean="0"/>
-              <a:t>14/09/25</a:t>
+              <a:t>14/09/26</a:t>
             </a:fld>
             <a:endParaRPr lang="en-US"/>
           </a:p>
@@ -2250,7 +2255,7 @@
           <a:p>
             <a:fld id="{4E04481B-5184-42E3-AF7F-92F05CC1FED4}" type="datetimeFigureOut">
               <a:rPr lang="en-US" smtClean="0"/>
-              <a:t>14/09/25</a:t>
+              <a:t>14/09/26</a:t>
             </a:fld>
             <a:endParaRPr lang="en-US"/>
           </a:p>
@@ -2345,7 +2350,7 @@
           <a:p>
             <a:fld id="{4E04481B-5184-42E3-AF7F-92F05CC1FED4}" type="datetimeFigureOut">
               <a:rPr lang="en-US" smtClean="0"/>
-              <a:t>14/09/25</a:t>
+              <a:t>14/09/26</a:t>
             </a:fld>
             <a:endParaRPr lang="en-US"/>
           </a:p>
@@ -2622,7 +2627,7 @@
           <a:p>
             <a:fld id="{4E04481B-5184-42E3-AF7F-92F05CC1FED4}" type="datetimeFigureOut">
               <a:rPr lang="en-US" smtClean="0"/>
-              <a:t>14/09/25</a:t>
+              <a:t>14/09/26</a:t>
             </a:fld>
             <a:endParaRPr lang="en-US"/>
           </a:p>
@@ -2875,7 +2880,7 @@
           <a:p>
             <a:fld id="{4E04481B-5184-42E3-AF7F-92F05CC1FED4}" type="datetimeFigureOut">
               <a:rPr lang="en-US" smtClean="0"/>
-              <a:t>14/09/25</a:t>
+              <a:t>14/09/26</a:t>
             </a:fld>
             <a:endParaRPr lang="en-US"/>
           </a:p>
@@ -3088,7 +3093,7 @@
           <a:p>
             <a:fld id="{4E04481B-5184-42E3-AF7F-92F05CC1FED4}" type="datetimeFigureOut">
               <a:rPr lang="en-US" smtClean="0"/>
-              <a:t>14/09/25</a:t>
+              <a:t>14/09/26</a:t>
             </a:fld>
             <a:endParaRPr lang="en-US"/>
           </a:p>
@@ -4070,6 +4075,51 @@
                       </p:childTnLst>
                     </p:cTn>
                   </p:par>
+                  <p:par>
+                    <p:cTn id="7" fill="hold">
+                      <p:stCondLst>
+                        <p:cond delay="indefinite"/>
+                      </p:stCondLst>
+                      <p:childTnLst>
+                        <p:par>
+                          <p:cTn id="8" fill="hold">
+                            <p:stCondLst>
+                              <p:cond delay="0"/>
+                            </p:stCondLst>
+                            <p:childTnLst>
+                              <p:par>
+                                <p:cTn id="9" presetID="1" presetClass="exit" presetSubtype="0" fill="hold" grpId="1" nodeType="clickEffect">
+                                  <p:stCondLst>
+                                    <p:cond delay="0"/>
+                                  </p:stCondLst>
+                                  <p:childTnLst>
+                                    <p:set>
+                                      <p:cBhvr>
+                                        <p:cTn id="10" dur="1" fill="hold">
+                                          <p:stCondLst>
+                                            <p:cond delay="0"/>
+                                          </p:stCondLst>
+                                        </p:cTn>
+                                        <p:tgtEl>
+                                          <p:spTgt spid="9"/>
+                                        </p:tgtEl>
+                                        <p:attrNameLst>
+                                          <p:attrName>style.visibility</p:attrName>
+                                        </p:attrNameLst>
+                                      </p:cBhvr>
+                                      <p:to>
+                                        <p:strVal val="hidden"/>
+                                      </p:to>
+                                    </p:set>
+                                  </p:childTnLst>
+                                </p:cTn>
+                              </p:par>
+                            </p:childTnLst>
+                          </p:cTn>
+                        </p:par>
+                      </p:childTnLst>
+                    </p:cTn>
+                  </p:par>
                 </p:childTnLst>
               </p:cTn>
               <p:prevCondLst>
@@ -4093,170 +4143,13 @@
     </p:tnLst>
     <p:bldLst>
       <p:bldP spid="9" grpId="0" animBg="1"/>
+      <p:bldP spid="9" grpId="1" animBg="1"/>
     </p:bldLst>
   </p:timing>
 </p:sld>
 </file>
 
 <file path=ppt/slides/slide11.xml><?xml version="1.0" encoding="utf-8"?>
-<p:sld xmlns:a="http://schemas.openxmlformats.org/drawingml/2006/main" xmlns:r="http://schemas.openxmlformats.org/officeDocument/2006/relationships" xmlns:p="http://schemas.openxmlformats.org/presentationml/2006/main">
-  <p:cSld>
-    <p:spTree>
-      <p:nvGrpSpPr>
-        <p:cNvPr id="1" name=""/>
-        <p:cNvGrpSpPr/>
-        <p:nvPr/>
-      </p:nvGrpSpPr>
-      <p:grpSpPr>
-        <a:xfrm>
-          <a:off x="0" y="0"/>
-          <a:ext cx="0" cy="0"/>
-          <a:chOff x="0" y="0"/>
-          <a:chExt cx="0" cy="0"/>
-        </a:xfrm>
-      </p:grpSpPr>
-      <p:pic>
-        <p:nvPicPr>
-          <p:cNvPr id="6146" name="Picture 2" descr="D:\tijn\rdevel\hierCols\presentation\hcl_method2-d.png"/>
-          <p:cNvPicPr>
-            <a:picLocks noChangeAspect="1" noChangeArrowheads="1"/>
-          </p:cNvPicPr>
-          <p:nvPr/>
-        </p:nvPicPr>
-        <p:blipFill>
-          <a:blip r:embed="rId3">
-            <a:extLst>
-              <a:ext uri="{28A0092B-C50C-407E-A947-70E740481C1C}">
-                <a14:useLocalDpi xmlns:a14="http://schemas.microsoft.com/office/drawing/2010/main" val="0"/>
-              </a:ext>
-            </a:extLst>
-          </a:blip>
-          <a:srcRect/>
-          <a:stretch>
-            <a:fillRect/>
-          </a:stretch>
-        </p:blipFill>
-        <p:spPr bwMode="auto">
-          <a:xfrm>
-            <a:off x="379412" y="914400"/>
-            <a:ext cx="5448300" cy="5715000"/>
-          </a:xfrm>
-          <a:prstGeom prst="rect">
-            <a:avLst/>
-          </a:prstGeom>
-          <a:noFill/>
-          <a:extLst>
-            <a:ext uri="{909E8E84-426E-40DD-AFC4-6F175D3DCCD1}">
-              <a14:hiddenFill xmlns:a14="http://schemas.microsoft.com/office/drawing/2010/main">
-                <a:solidFill>
-                  <a:srgbClr val="FFFFFF"/>
-                </a:solidFill>
-              </a14:hiddenFill>
-            </a:ext>
-          </a:extLst>
-        </p:spPr>
-      </p:pic>
-      <p:pic>
-        <p:nvPicPr>
-          <p:cNvPr id="3077" name="Picture 5" descr="D:\tijn\rdevel\hierCols\presentation\HCPgraph-2.png"/>
-          <p:cNvPicPr>
-            <a:picLocks noChangeAspect="1" noChangeArrowheads="1"/>
-          </p:cNvPicPr>
-          <p:nvPr/>
-        </p:nvPicPr>
-        <p:blipFill>
-          <a:blip r:embed="rId4">
-            <a:extLst>
-              <a:ext uri="{28A0092B-C50C-407E-A947-70E740481C1C}">
-                <a14:useLocalDpi xmlns:a14="http://schemas.microsoft.com/office/drawing/2010/main" val="0"/>
-              </a:ext>
-            </a:extLst>
-          </a:blip>
-          <a:srcRect/>
-          <a:stretch>
-            <a:fillRect/>
-          </a:stretch>
-        </p:blipFill>
-        <p:spPr bwMode="auto">
-          <a:xfrm>
-            <a:off x="6283324" y="1148443"/>
-            <a:ext cx="5715000" cy="5715000"/>
-          </a:xfrm>
-          <a:prstGeom prst="rect">
-            <a:avLst/>
-          </a:prstGeom>
-          <a:noFill/>
-          <a:extLst>
-            <a:ext uri="{909E8E84-426E-40DD-AFC4-6F175D3DCCD1}">
-              <a14:hiddenFill xmlns:a14="http://schemas.microsoft.com/office/drawing/2010/main">
-                <a:solidFill>
-                  <a:srgbClr val="FFFFFF"/>
-                </a:solidFill>
-              </a14:hiddenFill>
-            </a:ext>
-          </a:extLst>
-        </p:spPr>
-      </p:pic>
-      <p:sp>
-        <p:nvSpPr>
-          <p:cNvPr id="6" name="Titel 1"/>
-          <p:cNvSpPr>
-            <a:spLocks noGrp="1"/>
-          </p:cNvSpPr>
-          <p:nvPr>
-            <p:ph type="title"/>
-          </p:nvPr>
-        </p:nvSpPr>
-        <p:spPr>
-          <a:xfrm>
-            <a:off x="609441" y="274639"/>
-            <a:ext cx="10969943" cy="1143000"/>
-          </a:xfrm>
-        </p:spPr>
-        <p:txBody>
-          <a:bodyPr/>
-          <a:lstStyle/>
-          <a:p>
-            <a:r>
-              <a:rPr lang="en-US" dirty="0" smtClean="0"/>
-              <a:t>Hue allocation</a:t>
-            </a:r>
-            <a:endParaRPr lang="en-US" dirty="0"/>
-          </a:p>
-        </p:txBody>
-      </p:sp>
-    </p:spTree>
-    <p:custDataLst>
-      <p:tags r:id="rId1"/>
-    </p:custDataLst>
-    <p:extLst>
-      <p:ext uri="{BB962C8B-B14F-4D97-AF65-F5344CB8AC3E}">
-        <p14:creationId xmlns:p14="http://schemas.microsoft.com/office/powerpoint/2010/main" val="2793842845"/>
-      </p:ext>
-    </p:extLst>
-  </p:cSld>
-  <p:clrMapOvr>
-    <a:masterClrMapping/>
-  </p:clrMapOvr>
-  <mc:AlternateContent xmlns:mc="http://schemas.openxmlformats.org/markup-compatibility/2006" xmlns:p14="http://schemas.microsoft.com/office/powerpoint/2010/main">
-    <mc:Choice Requires="p14">
-      <p:transition spd="slow" p14:dur="2000"/>
-    </mc:Choice>
-    <mc:Fallback xmlns="">
-      <p:transition spd="slow"/>
-    </mc:Fallback>
-  </mc:AlternateContent>
-  <p:timing>
-    <p:tnLst>
-      <p:par>
-        <p:cTn id="1" dur="indefinite" restart="never" nodeType="tmRoot"/>
-      </p:par>
-    </p:tnLst>
-  </p:timing>
-</p:sld>
-</file>
-
-<file path=ppt/slides/slide12.xml><?xml version="1.0" encoding="utf-8"?>
 <p:sld xmlns:a="http://schemas.openxmlformats.org/drawingml/2006/main" xmlns:r="http://schemas.openxmlformats.org/officeDocument/2006/relationships" xmlns:p="http://schemas.openxmlformats.org/presentationml/2006/main">
   <p:cSld>
     <p:spTree>
@@ -4510,7 +4403,7 @@
 </p:sld>
 </file>
 
-<file path=ppt/slides/slide13.xml><?xml version="1.0" encoding="utf-8"?>
+<file path=ppt/slides/slide12.xml><?xml version="1.0" encoding="utf-8"?>
 <p:sld xmlns:a="http://schemas.openxmlformats.org/drawingml/2006/main" xmlns:r="http://schemas.openxmlformats.org/officeDocument/2006/relationships" xmlns:p="http://schemas.openxmlformats.org/presentationml/2006/main">
   <p:cSld>
     <p:spTree>
@@ -4748,7 +4641,7 @@
 </p:sld>
 </file>
 
-<file path=ppt/slides/slide14.xml><?xml version="1.0" encoding="utf-8"?>
+<file path=ppt/slides/slide13.xml><?xml version="1.0" encoding="utf-8"?>
 <p:sld xmlns:a="http://schemas.openxmlformats.org/drawingml/2006/main" xmlns:r="http://schemas.openxmlformats.org/officeDocument/2006/relationships" xmlns:p="http://schemas.openxmlformats.org/presentationml/2006/main">
   <p:cSld>
     <p:spTree>
@@ -4797,7 +4690,7 @@
         <p:spPr>
           <a:xfrm>
             <a:off x="1141412" y="2302329"/>
-            <a:ext cx="7010400" cy="1938992"/>
+            <a:ext cx="7010400" cy="3416320"/>
           </a:xfrm>
           <a:prstGeom prst="rect">
             <a:avLst/>
@@ -4810,9 +4703,43 @@
           </a:bodyPr>
           <a:lstStyle/>
           <a:p>
+            <a:pPr marL="342900" indent="-342900">
+              <a:buFont typeface="Arial" panose="020B0604020202020204" pitchFamily="34" charset="0"/>
+              <a:buChar char="•"/>
+            </a:pPr>
+            <a:r>
+              <a:rPr lang="en-US" dirty="0"/>
+              <a:t>Near future: </a:t>
+            </a:r>
             <a:r>
               <a:rPr lang="en-US" dirty="0" smtClean="0"/>
-              <a:t>Tree Colors implemented in R-package </a:t>
+              <a:t>implementation as </a:t>
+            </a:r>
+            <a:r>
+              <a:rPr lang="en-US" dirty="0" err="1" smtClean="0"/>
+              <a:t>Javascript</a:t>
+            </a:r>
+            <a:r>
+              <a:rPr lang="en-US" dirty="0" smtClean="0"/>
+              <a:t> </a:t>
+            </a:r>
+            <a:r>
+              <a:rPr lang="en-US" dirty="0"/>
+              <a:t>library</a:t>
+            </a:r>
+          </a:p>
+          <a:p>
+            <a:pPr marL="342900" indent="-342900">
+              <a:buFont typeface="Arial" panose="020B0604020202020204" pitchFamily="34" charset="0"/>
+              <a:buChar char="•"/>
+            </a:pPr>
+            <a:r>
+              <a:rPr lang="en-US" dirty="0" smtClean="0"/>
+              <a:t>Tree </a:t>
+            </a:r>
+            <a:r>
+              <a:rPr lang="en-US" dirty="0" smtClean="0"/>
+              <a:t>Colors implemented in R-package </a:t>
             </a:r>
             <a:r>
               <a:rPr lang="en-US" dirty="0" err="1" smtClean="0">
@@ -4880,11 +4807,24 @@
             </a:r>
           </a:p>
           <a:p>
+            <a:endParaRPr lang="en-US" dirty="0" smtClean="0">
+              <a:solidFill>
+                <a:srgbClr val="C00000"/>
+              </a:solidFill>
+            </a:endParaRPr>
+          </a:p>
+          <a:p>
             <a:endParaRPr lang="en-US" dirty="0">
               <a:solidFill>
-                <a:srgbClr val="0070C0"/>
+                <a:srgbClr val="C00000"/>
               </a:solidFill>
             </a:endParaRPr>
+          </a:p>
+          <a:p>
+            <a:endParaRPr lang="en-US" dirty="0" smtClean="0"/>
+          </a:p>
+          <a:p>
+            <a:endParaRPr lang="en-US" dirty="0"/>
           </a:p>
         </p:txBody>
       </p:sp>
@@ -4916,6 +4856,514 @@
 </p:sld>
 </file>
 
+<file path=ppt/slides/slide14.xml><?xml version="1.0" encoding="utf-8"?>
+<p:sld xmlns:a="http://schemas.openxmlformats.org/drawingml/2006/main" xmlns:r="http://schemas.openxmlformats.org/officeDocument/2006/relationships" xmlns:p="http://schemas.openxmlformats.org/presentationml/2006/main">
+  <p:cSld>
+    <p:spTree>
+      <p:nvGrpSpPr>
+        <p:cNvPr id="1" name=""/>
+        <p:cNvGrpSpPr/>
+        <p:nvPr/>
+      </p:nvGrpSpPr>
+      <p:grpSpPr>
+        <a:xfrm>
+          <a:off x="0" y="0"/>
+          <a:ext cx="0" cy="0"/>
+          <a:chOff x="0" y="0"/>
+          <a:chExt cx="0" cy="0"/>
+        </a:xfrm>
+      </p:grpSpPr>
+      <p:sp>
+        <p:nvSpPr>
+          <p:cNvPr id="2" name="Titel 1"/>
+          <p:cNvSpPr>
+            <a:spLocks noGrp="1"/>
+          </p:cNvSpPr>
+          <p:nvPr>
+            <p:ph type="title"/>
+          </p:nvPr>
+        </p:nvSpPr>
+        <p:spPr/>
+        <p:txBody>
+          <a:bodyPr/>
+          <a:lstStyle/>
+          <a:p>
+            <a:r>
+              <a:rPr lang="en-US" dirty="0" smtClean="0"/>
+              <a:t>Color vision deficiency</a:t>
+            </a:r>
+            <a:endParaRPr lang="en-US" dirty="0"/>
+          </a:p>
+        </p:txBody>
+      </p:sp>
+      <p:pic>
+        <p:nvPicPr>
+          <p:cNvPr id="3074" name="Picture 2" descr="D:\tijn\rdevel\hierCols\presentation\hcl_normal.png"/>
+          <p:cNvPicPr>
+            <a:picLocks noChangeAspect="1" noChangeArrowheads="1"/>
+          </p:cNvPicPr>
+          <p:nvPr/>
+        </p:nvPicPr>
+        <p:blipFill>
+          <a:blip r:embed="rId2">
+            <a:extLst>
+              <a:ext uri="{28A0092B-C50C-407E-A947-70E740481C1C}">
+                <a14:useLocalDpi xmlns:a14="http://schemas.microsoft.com/office/drawing/2010/main" val="0"/>
+              </a:ext>
+            </a:extLst>
+          </a:blip>
+          <a:srcRect/>
+          <a:stretch>
+            <a:fillRect/>
+          </a:stretch>
+        </p:blipFill>
+        <p:spPr bwMode="auto">
+          <a:xfrm>
+            <a:off x="1044574" y="1905000"/>
+            <a:ext cx="3810000" cy="3810000"/>
+          </a:xfrm>
+          <a:prstGeom prst="rect">
+            <a:avLst/>
+          </a:prstGeom>
+          <a:noFill/>
+          <a:extLst>
+            <a:ext uri="{909E8E84-426E-40DD-AFC4-6F175D3DCCD1}">
+              <a14:hiddenFill xmlns:a14="http://schemas.microsoft.com/office/drawing/2010/main">
+                <a:solidFill>
+                  <a:srgbClr val="FFFFFF"/>
+                </a:solidFill>
+              </a14:hiddenFill>
+            </a:ext>
+          </a:extLst>
+        </p:spPr>
+      </p:pic>
+      <p:pic>
+        <p:nvPicPr>
+          <p:cNvPr id="3075" name="Picture 3" descr="D:\tijn\rdevel\hierCols\presentation\hcl_deuteranomaly_protanopia.png"/>
+          <p:cNvPicPr>
+            <a:picLocks noChangeAspect="1" noChangeArrowheads="1"/>
+          </p:cNvPicPr>
+          <p:nvPr/>
+        </p:nvPicPr>
+        <p:blipFill>
+          <a:blip r:embed="rId3">
+            <a:extLst>
+              <a:ext uri="{28A0092B-C50C-407E-A947-70E740481C1C}">
+                <a14:useLocalDpi xmlns:a14="http://schemas.microsoft.com/office/drawing/2010/main" val="0"/>
+              </a:ext>
+            </a:extLst>
+          </a:blip>
+          <a:srcRect/>
+          <a:stretch>
+            <a:fillRect/>
+          </a:stretch>
+        </p:blipFill>
+        <p:spPr bwMode="auto">
+          <a:xfrm>
+            <a:off x="4875212" y="2057400"/>
+            <a:ext cx="6608762" cy="3295650"/>
+          </a:xfrm>
+          <a:prstGeom prst="rect">
+            <a:avLst/>
+          </a:prstGeom>
+          <a:noFill/>
+          <a:extLst>
+            <a:ext uri="{909E8E84-426E-40DD-AFC4-6F175D3DCCD1}">
+              <a14:hiddenFill xmlns:a14="http://schemas.microsoft.com/office/drawing/2010/main">
+                <a:solidFill>
+                  <a:srgbClr val="FFFFFF"/>
+                </a:solidFill>
+              </a14:hiddenFill>
+            </a:ext>
+          </a:extLst>
+        </p:spPr>
+      </p:pic>
+      <p:sp>
+        <p:nvSpPr>
+          <p:cNvPr id="4" name="Tekstvak 3"/>
+          <p:cNvSpPr txBox="1"/>
+          <p:nvPr/>
+        </p:nvSpPr>
+        <p:spPr>
+          <a:xfrm>
+            <a:off x="1645850" y="5558135"/>
+            <a:ext cx="2607445" cy="830997"/>
+          </a:xfrm>
+          <a:prstGeom prst="rect">
+            <a:avLst/>
+          </a:prstGeom>
+          <a:noFill/>
+        </p:spPr>
+        <p:txBody>
+          <a:bodyPr wrap="none" rtlCol="0">
+            <a:spAutoFit/>
+          </a:bodyPr>
+          <a:lstStyle/>
+          <a:p>
+            <a:pPr algn="ctr"/>
+            <a:r>
+              <a:rPr lang="en-US" dirty="0" smtClean="0"/>
+              <a:t>Normal color vision</a:t>
+            </a:r>
+          </a:p>
+          <a:p>
+            <a:pPr algn="ctr"/>
+            <a:r>
+              <a:rPr lang="en-US" dirty="0" smtClean="0"/>
+              <a:t>(</a:t>
+            </a:r>
+            <a:r>
+              <a:rPr lang="en-US" dirty="0" err="1" smtClean="0"/>
+              <a:t>trichromats</a:t>
+            </a:r>
+            <a:r>
+              <a:rPr lang="en-US" dirty="0" smtClean="0"/>
+              <a:t>)</a:t>
+            </a:r>
+            <a:endParaRPr lang="en-US" dirty="0"/>
+          </a:p>
+        </p:txBody>
+      </p:sp>
+      <p:sp>
+        <p:nvSpPr>
+          <p:cNvPr id="7" name="Tekstvak 6"/>
+          <p:cNvSpPr txBox="1"/>
+          <p:nvPr/>
+        </p:nvSpPr>
+        <p:spPr>
+          <a:xfrm>
+            <a:off x="4960579" y="5558135"/>
+            <a:ext cx="3267433" cy="830997"/>
+          </a:xfrm>
+          <a:prstGeom prst="rect">
+            <a:avLst/>
+          </a:prstGeom>
+          <a:noFill/>
+        </p:spPr>
+        <p:txBody>
+          <a:bodyPr wrap="none" rtlCol="0">
+            <a:spAutoFit/>
+          </a:bodyPr>
+          <a:lstStyle/>
+          <a:p>
+            <a:pPr algn="ctr"/>
+            <a:r>
+              <a:rPr lang="en-US" dirty="0" err="1" smtClean="0"/>
+              <a:t>Deuteranomaly</a:t>
+            </a:r>
+            <a:endParaRPr lang="en-US" dirty="0" smtClean="0"/>
+          </a:p>
+          <a:p>
+            <a:pPr algn="ctr"/>
+            <a:r>
+              <a:rPr lang="en-US" dirty="0" smtClean="0"/>
+              <a:t>(anomalous </a:t>
+            </a:r>
+            <a:r>
+              <a:rPr lang="en-US" dirty="0" err="1" smtClean="0"/>
+              <a:t>trichromats</a:t>
+            </a:r>
+            <a:r>
+              <a:rPr lang="en-US" dirty="0" smtClean="0"/>
+              <a:t>)</a:t>
+            </a:r>
+            <a:endParaRPr lang="en-US" dirty="0"/>
+          </a:p>
+        </p:txBody>
+      </p:sp>
+      <p:sp>
+        <p:nvSpPr>
+          <p:cNvPr id="5" name="Rechthoek 4"/>
+          <p:cNvSpPr/>
+          <p:nvPr/>
+        </p:nvSpPr>
+        <p:spPr>
+          <a:xfrm>
+            <a:off x="9218612" y="5558134"/>
+            <a:ext cx="1771832" cy="830997"/>
+          </a:xfrm>
+          <a:prstGeom prst="rect">
+            <a:avLst/>
+          </a:prstGeom>
+        </p:spPr>
+        <p:txBody>
+          <a:bodyPr wrap="none">
+            <a:spAutoFit/>
+          </a:bodyPr>
+          <a:lstStyle/>
+          <a:p>
+            <a:pPr algn="ctr"/>
+            <a:r>
+              <a:rPr lang="en-US" dirty="0" err="1" smtClean="0"/>
+              <a:t>Protanopia</a:t>
+            </a:r>
+            <a:endParaRPr lang="en-US" dirty="0" smtClean="0"/>
+          </a:p>
+          <a:p>
+            <a:pPr algn="ctr"/>
+            <a:r>
+              <a:rPr lang="en-US" dirty="0" smtClean="0"/>
+              <a:t>(</a:t>
+            </a:r>
+            <a:r>
+              <a:rPr lang="en-US" dirty="0" err="1" smtClean="0"/>
+              <a:t>dichromats</a:t>
+            </a:r>
+            <a:r>
+              <a:rPr lang="en-US" dirty="0" smtClean="0"/>
+              <a:t>)</a:t>
+            </a:r>
+            <a:endParaRPr lang="en-US" dirty="0"/>
+          </a:p>
+        </p:txBody>
+      </p:sp>
+    </p:spTree>
+    <p:extLst>
+      <p:ext uri="{BB962C8B-B14F-4D97-AF65-F5344CB8AC3E}">
+        <p14:creationId xmlns:p14="http://schemas.microsoft.com/office/powerpoint/2010/main" val="3625253420"/>
+      </p:ext>
+    </p:extLst>
+  </p:cSld>
+  <p:clrMapOvr>
+    <a:masterClrMapping/>
+  </p:clrMapOvr>
+  <p:timing>
+    <p:tnLst>
+      <p:par>
+        <p:cTn id="1" dur="indefinite" restart="never" nodeType="tmRoot">
+          <p:childTnLst>
+            <p:seq concurrent="1" nextAc="seek">
+              <p:cTn id="2" dur="indefinite" nodeType="mainSeq">
+                <p:childTnLst>
+                  <p:par>
+                    <p:cTn id="3" fill="hold">
+                      <p:stCondLst>
+                        <p:cond delay="indefinite"/>
+                      </p:stCondLst>
+                      <p:childTnLst>
+                        <p:par>
+                          <p:cTn id="4" fill="hold">
+                            <p:stCondLst>
+                              <p:cond delay="0"/>
+                            </p:stCondLst>
+                            <p:childTnLst>
+                              <p:par>
+                                <p:cTn id="5" presetID="1" presetClass="entr" presetSubtype="0" fill="hold" grpId="0" nodeType="clickEffect">
+                                  <p:stCondLst>
+                                    <p:cond delay="0"/>
+                                  </p:stCondLst>
+                                  <p:childTnLst>
+                                    <p:set>
+                                      <p:cBhvr>
+                                        <p:cTn id="6" dur="1" fill="hold">
+                                          <p:stCondLst>
+                                            <p:cond delay="0"/>
+                                          </p:stCondLst>
+                                        </p:cTn>
+                                        <p:tgtEl>
+                                          <p:spTgt spid="5"/>
+                                        </p:tgtEl>
+                                        <p:attrNameLst>
+                                          <p:attrName>style.visibility</p:attrName>
+                                        </p:attrNameLst>
+                                      </p:cBhvr>
+                                      <p:to>
+                                        <p:strVal val="visible"/>
+                                      </p:to>
+                                    </p:set>
+                                  </p:childTnLst>
+                                </p:cTn>
+                              </p:par>
+                              <p:par>
+                                <p:cTn id="7" presetID="1" presetClass="entr" presetSubtype="0" fill="hold" grpId="0" nodeType="withEffect">
+                                  <p:stCondLst>
+                                    <p:cond delay="0"/>
+                                  </p:stCondLst>
+                                  <p:childTnLst>
+                                    <p:set>
+                                      <p:cBhvr>
+                                        <p:cTn id="8" dur="1" fill="hold">
+                                          <p:stCondLst>
+                                            <p:cond delay="0"/>
+                                          </p:stCondLst>
+                                        </p:cTn>
+                                        <p:tgtEl>
+                                          <p:spTgt spid="7"/>
+                                        </p:tgtEl>
+                                        <p:attrNameLst>
+                                          <p:attrName>style.visibility</p:attrName>
+                                        </p:attrNameLst>
+                                      </p:cBhvr>
+                                      <p:to>
+                                        <p:strVal val="visible"/>
+                                      </p:to>
+                                    </p:set>
+                                  </p:childTnLst>
+                                </p:cTn>
+                              </p:par>
+                              <p:par>
+                                <p:cTn id="9" presetID="1" presetClass="entr" presetSubtype="0" fill="hold" nodeType="withEffect">
+                                  <p:stCondLst>
+                                    <p:cond delay="0"/>
+                                  </p:stCondLst>
+                                  <p:childTnLst>
+                                    <p:set>
+                                      <p:cBhvr>
+                                        <p:cTn id="10" dur="1" fill="hold">
+                                          <p:stCondLst>
+                                            <p:cond delay="0"/>
+                                          </p:stCondLst>
+                                        </p:cTn>
+                                        <p:tgtEl>
+                                          <p:spTgt spid="3075"/>
+                                        </p:tgtEl>
+                                        <p:attrNameLst>
+                                          <p:attrName>style.visibility</p:attrName>
+                                        </p:attrNameLst>
+                                      </p:cBhvr>
+                                      <p:to>
+                                        <p:strVal val="visible"/>
+                                      </p:to>
+                                    </p:set>
+                                  </p:childTnLst>
+                                </p:cTn>
+                              </p:par>
+                            </p:childTnLst>
+                          </p:cTn>
+                        </p:par>
+                      </p:childTnLst>
+                    </p:cTn>
+                  </p:par>
+                  <p:par>
+                    <p:cTn id="11" fill="hold">
+                      <p:stCondLst>
+                        <p:cond delay="indefinite"/>
+                      </p:stCondLst>
+                      <p:childTnLst>
+                        <p:par>
+                          <p:cTn id="12" fill="hold">
+                            <p:stCondLst>
+                              <p:cond delay="0"/>
+                            </p:stCondLst>
+                            <p:childTnLst>
+                              <p:par>
+                                <p:cTn id="13" presetID="1" presetClass="exit" presetSubtype="0" fill="hold" grpId="1" nodeType="clickEffect">
+                                  <p:stCondLst>
+                                    <p:cond delay="0"/>
+                                  </p:stCondLst>
+                                  <p:childTnLst>
+                                    <p:set>
+                                      <p:cBhvr>
+                                        <p:cTn id="14" dur="1" fill="hold">
+                                          <p:stCondLst>
+                                            <p:cond delay="0"/>
+                                          </p:stCondLst>
+                                        </p:cTn>
+                                        <p:tgtEl>
+                                          <p:spTgt spid="5"/>
+                                        </p:tgtEl>
+                                        <p:attrNameLst>
+                                          <p:attrName>style.visibility</p:attrName>
+                                        </p:attrNameLst>
+                                      </p:cBhvr>
+                                      <p:to>
+                                        <p:strVal val="hidden"/>
+                                      </p:to>
+                                    </p:set>
+                                  </p:childTnLst>
+                                </p:cTn>
+                              </p:par>
+                              <p:par>
+                                <p:cTn id="15" presetID="1" presetClass="exit" presetSubtype="0" fill="hold" grpId="1" nodeType="withEffect">
+                                  <p:stCondLst>
+                                    <p:cond delay="0"/>
+                                  </p:stCondLst>
+                                  <p:childTnLst>
+                                    <p:set>
+                                      <p:cBhvr>
+                                        <p:cTn id="16" dur="1" fill="hold">
+                                          <p:stCondLst>
+                                            <p:cond delay="0"/>
+                                          </p:stCondLst>
+                                        </p:cTn>
+                                        <p:tgtEl>
+                                          <p:spTgt spid="7"/>
+                                        </p:tgtEl>
+                                        <p:attrNameLst>
+                                          <p:attrName>style.visibility</p:attrName>
+                                        </p:attrNameLst>
+                                      </p:cBhvr>
+                                      <p:to>
+                                        <p:strVal val="hidden"/>
+                                      </p:to>
+                                    </p:set>
+                                  </p:childTnLst>
+                                </p:cTn>
+                              </p:par>
+                              <p:par>
+                                <p:cTn id="17" presetID="1" presetClass="exit" presetSubtype="0" fill="hold" nodeType="withEffect">
+                                  <p:stCondLst>
+                                    <p:cond delay="0"/>
+                                  </p:stCondLst>
+                                  <p:childTnLst>
+                                    <p:set>
+                                      <p:cBhvr>
+                                        <p:cTn id="18" dur="1" fill="hold">
+                                          <p:stCondLst>
+                                            <p:cond delay="0"/>
+                                          </p:stCondLst>
+                                        </p:cTn>
+                                        <p:tgtEl>
+                                          <p:spTgt spid="3075"/>
+                                        </p:tgtEl>
+                                        <p:attrNameLst>
+                                          <p:attrName>style.visibility</p:attrName>
+                                        </p:attrNameLst>
+                                      </p:cBhvr>
+                                      <p:to>
+                                        <p:strVal val="hidden"/>
+                                      </p:to>
+                                    </p:set>
+                                  </p:childTnLst>
+                                </p:cTn>
+                              </p:par>
+                            </p:childTnLst>
+                          </p:cTn>
+                        </p:par>
+                      </p:childTnLst>
+                    </p:cTn>
+                  </p:par>
+                </p:childTnLst>
+              </p:cTn>
+              <p:prevCondLst>
+                <p:cond evt="onPrev" delay="0">
+                  <p:tgtEl>
+                    <p:sldTgt/>
+                  </p:tgtEl>
+                </p:cond>
+              </p:prevCondLst>
+              <p:nextCondLst>
+                <p:cond evt="onNext" delay="0">
+                  <p:tgtEl>
+                    <p:sldTgt/>
+                  </p:tgtEl>
+                </p:cond>
+              </p:nextCondLst>
+            </p:seq>
+          </p:childTnLst>
+        </p:cTn>
+      </p:par>
+    </p:tnLst>
+    <p:bldLst>
+      <p:bldP spid="7" grpId="0"/>
+      <p:bldP spid="7" grpId="1"/>
+      <p:bldP spid="5" grpId="0"/>
+      <p:bldP spid="5" grpId="1"/>
+    </p:bldLst>
+  </p:timing>
+</p:sld>
+</file>
+
 <file path=ppt/slides/slide15.xml><?xml version="1.0" encoding="utf-8"?>
 <p:sld xmlns:a="http://schemas.openxmlformats.org/drawingml/2006/main" xmlns:r="http://schemas.openxmlformats.org/officeDocument/2006/relationships" xmlns:p="http://schemas.openxmlformats.org/presentationml/2006/main">
   <p:cSld>
@@ -4933,6 +5381,88 @@
           <a:chExt cx="0" cy="0"/>
         </a:xfrm>
       </p:grpSpPr>
+      <p:pic>
+        <p:nvPicPr>
+          <p:cNvPr id="1027" name="Picture 3" descr="D:\tijn\rdevel\hierCols\presentation\sunburst2.png"/>
+          <p:cNvPicPr>
+            <a:picLocks noChangeAspect="1" noChangeArrowheads="1"/>
+          </p:cNvPicPr>
+          <p:nvPr/>
+        </p:nvPicPr>
+        <p:blipFill>
+          <a:blip r:embed="rId2">
+            <a:extLst>
+              <a:ext uri="{28A0092B-C50C-407E-A947-70E740481C1C}">
+                <a14:useLocalDpi xmlns:a14="http://schemas.microsoft.com/office/drawing/2010/main" val="0"/>
+              </a:ext>
+            </a:extLst>
+          </a:blip>
+          <a:srcRect/>
+          <a:stretch>
+            <a:fillRect/>
+          </a:stretch>
+        </p:blipFill>
+        <p:spPr bwMode="auto">
+          <a:xfrm>
+            <a:off x="-11113" y="1529060"/>
+            <a:ext cx="5229225" cy="3810000"/>
+          </a:xfrm>
+          <a:prstGeom prst="rect">
+            <a:avLst/>
+          </a:prstGeom>
+          <a:noFill/>
+          <a:extLst>
+            <a:ext uri="{909E8E84-426E-40DD-AFC4-6F175D3DCCD1}">
+              <a14:hiddenFill xmlns:a14="http://schemas.microsoft.com/office/drawing/2010/main">
+                <a:solidFill>
+                  <a:srgbClr val="FFFFFF"/>
+                </a:solidFill>
+              </a14:hiddenFill>
+            </a:ext>
+          </a:extLst>
+        </p:spPr>
+      </p:pic>
+      <p:pic>
+        <p:nvPicPr>
+          <p:cNvPr id="1029" name="Picture 5" descr="D:\tijn\rdevel\hierCols\presentation\TMbusiness2-2.png"/>
+          <p:cNvPicPr>
+            <a:picLocks noChangeAspect="1" noChangeArrowheads="1"/>
+          </p:cNvPicPr>
+          <p:nvPr/>
+        </p:nvPicPr>
+        <p:blipFill>
+          <a:blip r:embed="rId3">
+            <a:extLst>
+              <a:ext uri="{28A0092B-C50C-407E-A947-70E740481C1C}">
+                <a14:useLocalDpi xmlns:a14="http://schemas.microsoft.com/office/drawing/2010/main" val="0"/>
+              </a:ext>
+            </a:extLst>
+          </a:blip>
+          <a:srcRect/>
+          <a:stretch>
+            <a:fillRect/>
+          </a:stretch>
+        </p:blipFill>
+        <p:spPr bwMode="auto">
+          <a:xfrm>
+            <a:off x="5865812" y="1548110"/>
+            <a:ext cx="4895850" cy="3810000"/>
+          </a:xfrm>
+          <a:prstGeom prst="rect">
+            <a:avLst/>
+          </a:prstGeom>
+          <a:noFill/>
+          <a:extLst>
+            <a:ext uri="{909E8E84-426E-40DD-AFC4-6F175D3DCCD1}">
+              <a14:hiddenFill xmlns:a14="http://schemas.microsoft.com/office/drawing/2010/main">
+                <a:solidFill>
+                  <a:srgbClr val="FFFFFF"/>
+                </a:solidFill>
+              </a14:hiddenFill>
+            </a:ext>
+          </a:extLst>
+        </p:spPr>
+      </p:pic>
       <p:sp>
         <p:nvSpPr>
           <p:cNvPr id="2" name="Titel 1"/>
@@ -4948,26 +5478,109 @@
           <a:bodyPr/>
           <a:lstStyle/>
           <a:p>
-            <a:endParaRPr lang="en-US"/>
-          </a:p>
-        </p:txBody>
-      </p:sp>
-      <p:sp>
-        <p:nvSpPr>
-          <p:cNvPr id="3" name="Tijdelijke aanduiding voor inhoud 2"/>
-          <p:cNvSpPr>
-            <a:spLocks noGrp="1"/>
-          </p:cNvSpPr>
-          <p:nvPr>
-            <p:ph idx="1"/>
-          </p:nvPr>
-        </p:nvSpPr>
-        <p:spPr/>
-        <p:txBody>
-          <a:bodyPr/>
-          <a:lstStyle/>
-          <a:p>
-            <a:endParaRPr lang="en-US"/>
+            <a:r>
+              <a:rPr lang="en-US" dirty="0" smtClean="0"/>
+              <a:t>Applications (1)</a:t>
+            </a:r>
+            <a:endParaRPr lang="en-US" dirty="0"/>
+          </a:p>
+        </p:txBody>
+      </p:sp>
+      <p:sp>
+        <p:nvSpPr>
+          <p:cNvPr id="5" name="Tekstvak 4"/>
+          <p:cNvSpPr txBox="1"/>
+          <p:nvPr/>
+        </p:nvSpPr>
+        <p:spPr>
+          <a:xfrm>
+            <a:off x="1412596" y="5311079"/>
+            <a:ext cx="2784160" cy="461665"/>
+          </a:xfrm>
+          <a:prstGeom prst="rect">
+            <a:avLst/>
+          </a:prstGeom>
+          <a:noFill/>
+        </p:spPr>
+        <p:txBody>
+          <a:bodyPr wrap="none" rtlCol="0">
+            <a:spAutoFit/>
+          </a:bodyPr>
+          <a:lstStyle/>
+          <a:p>
+            <a:r>
+              <a:rPr lang="en-US" dirty="0" smtClean="0"/>
+              <a:t>(a) Sunburst diagram</a:t>
+            </a:r>
+            <a:endParaRPr lang="en-US" dirty="0"/>
+          </a:p>
+        </p:txBody>
+      </p:sp>
+      <p:sp>
+        <p:nvSpPr>
+          <p:cNvPr id="10" name="Tekstvak 9"/>
+          <p:cNvSpPr txBox="1"/>
+          <p:nvPr/>
+        </p:nvSpPr>
+        <p:spPr>
+          <a:xfrm>
+            <a:off x="7672728" y="5325070"/>
+            <a:ext cx="1698798" cy="461665"/>
+          </a:xfrm>
+          <a:prstGeom prst="rect">
+            <a:avLst/>
+          </a:prstGeom>
+          <a:noFill/>
+        </p:spPr>
+        <p:txBody>
+          <a:bodyPr wrap="none" rtlCol="0">
+            <a:spAutoFit/>
+          </a:bodyPr>
+          <a:lstStyle/>
+          <a:p>
+            <a:r>
+              <a:rPr lang="en-US" dirty="0" smtClean="0"/>
+              <a:t>(b) </a:t>
+            </a:r>
+            <a:r>
+              <a:rPr lang="en-US" dirty="0" err="1" smtClean="0"/>
+              <a:t>Treemap</a:t>
+            </a:r>
+            <a:endParaRPr lang="en-US" dirty="0"/>
+          </a:p>
+        </p:txBody>
+      </p:sp>
+      <p:sp>
+        <p:nvSpPr>
+          <p:cNvPr id="6" name="Tekstvak 5"/>
+          <p:cNvSpPr txBox="1"/>
+          <p:nvPr/>
+        </p:nvSpPr>
+        <p:spPr>
+          <a:xfrm>
+            <a:off x="1751012" y="6091535"/>
+            <a:ext cx="9753600" cy="461665"/>
+          </a:xfrm>
+          <a:prstGeom prst="rect">
+            <a:avLst/>
+          </a:prstGeom>
+          <a:noFill/>
+        </p:spPr>
+        <p:txBody>
+          <a:bodyPr wrap="square" rtlCol="0">
+            <a:spAutoFit/>
+          </a:bodyPr>
+          <a:lstStyle/>
+          <a:p>
+            <a:r>
+              <a:rPr lang="en-US" dirty="0" smtClean="0"/>
+              <a:t>Net turnover for economic activity sector G, </a:t>
+            </a:r>
+            <a:r>
+              <a:rPr lang="en-US" i="1" dirty="0" smtClean="0"/>
+              <a:t>Wholesale and retail trade</a:t>
+            </a:r>
+            <a:endParaRPr lang="en-US" i="1" dirty="0"/>
           </a:p>
         </p:txBody>
       </p:sp>
@@ -5023,18 +5636,130 @@
           <a:bodyPr/>
           <a:lstStyle/>
           <a:p>
-            <a:endParaRPr lang="en-US"/>
-          </a:p>
-        </p:txBody>
-      </p:sp>
-      <p:sp>
-        <p:nvSpPr>
-          <p:cNvPr id="3" name="Tijdelijke aanduiding voor inhoud 2"/>
+            <a:r>
+              <a:rPr lang="en-US" dirty="0" smtClean="0"/>
+              <a:t>Applications (2)</a:t>
+            </a:r>
+            <a:endParaRPr lang="en-US" dirty="0"/>
+          </a:p>
+        </p:txBody>
+      </p:sp>
+      <p:sp>
+        <p:nvSpPr>
+          <p:cNvPr id="6" name="Tekstvak 5"/>
+          <p:cNvSpPr txBox="1"/>
+          <p:nvPr/>
+        </p:nvSpPr>
+        <p:spPr>
+          <a:xfrm>
+            <a:off x="4069555" y="6055667"/>
+            <a:ext cx="4506913" cy="461665"/>
+          </a:xfrm>
+          <a:prstGeom prst="rect">
+            <a:avLst/>
+          </a:prstGeom>
+          <a:noFill/>
+        </p:spPr>
+        <p:txBody>
+          <a:bodyPr wrap="square" rtlCol="0">
+            <a:spAutoFit/>
+          </a:bodyPr>
+          <a:lstStyle/>
+          <a:p>
+            <a:r>
+              <a:rPr lang="en-US" dirty="0" smtClean="0"/>
+              <a:t>Dutch population per province</a:t>
+            </a:r>
+            <a:endParaRPr lang="en-US" i="1" dirty="0"/>
+          </a:p>
+        </p:txBody>
+      </p:sp>
+      <p:pic>
+        <p:nvPicPr>
+          <p:cNvPr id="2050" name="Picture 2" descr="D:\tijn\rdevel\hierCols\presentation\pop_bar-2.png"/>
+          <p:cNvPicPr>
+            <a:picLocks noChangeAspect="1" noChangeArrowheads="1"/>
+          </p:cNvPicPr>
+          <p:nvPr/>
+        </p:nvPicPr>
+        <p:blipFill>
+          <a:blip r:embed="rId2">
+            <a:extLst>
+              <a:ext uri="{28A0092B-C50C-407E-A947-70E740481C1C}">
+                <a14:useLocalDpi xmlns:a14="http://schemas.microsoft.com/office/drawing/2010/main" val="0"/>
+              </a:ext>
+            </a:extLst>
+          </a:blip>
+          <a:srcRect/>
+          <a:stretch>
+            <a:fillRect/>
+          </a:stretch>
+        </p:blipFill>
+        <p:spPr bwMode="auto">
+          <a:xfrm>
+            <a:off x="4189412" y="1905000"/>
+            <a:ext cx="3810000" cy="3810000"/>
+          </a:xfrm>
+          <a:prstGeom prst="rect">
+            <a:avLst/>
+          </a:prstGeom>
+          <a:noFill/>
+          <a:extLst>
+            <a:ext uri="{909E8E84-426E-40DD-AFC4-6F175D3DCCD1}">
+              <a14:hiddenFill xmlns:a14="http://schemas.microsoft.com/office/drawing/2010/main">
+                <a:solidFill>
+                  <a:srgbClr val="FFFFFF"/>
+                </a:solidFill>
+              </a14:hiddenFill>
+            </a:ext>
+          </a:extLst>
+        </p:spPr>
+      </p:pic>
+    </p:spTree>
+    <p:extLst>
+      <p:ext uri="{BB962C8B-B14F-4D97-AF65-F5344CB8AC3E}">
+        <p14:creationId xmlns:p14="http://schemas.microsoft.com/office/powerpoint/2010/main" val="1257005580"/>
+      </p:ext>
+    </p:extLst>
+  </p:cSld>
+  <p:clrMapOvr>
+    <a:masterClrMapping/>
+  </p:clrMapOvr>
+  <p:timing>
+    <p:tnLst>
+      <p:par>
+        <p:cTn id="1" dur="indefinite" restart="never" nodeType="tmRoot"/>
+      </p:par>
+    </p:tnLst>
+  </p:timing>
+</p:sld>
+</file>
+
+<file path=ppt/slides/slide17.xml><?xml version="1.0" encoding="utf-8"?>
+<p:sld xmlns:a="http://schemas.openxmlformats.org/drawingml/2006/main" xmlns:r="http://schemas.openxmlformats.org/officeDocument/2006/relationships" xmlns:p="http://schemas.openxmlformats.org/presentationml/2006/main">
+  <p:cSld>
+    <p:spTree>
+      <p:nvGrpSpPr>
+        <p:cNvPr id="1" name=""/>
+        <p:cNvGrpSpPr/>
+        <p:nvPr/>
+      </p:nvGrpSpPr>
+      <p:grpSpPr>
+        <a:xfrm>
+          <a:off x="0" y="0"/>
+          <a:ext cx="0" cy="0"/>
+          <a:chOff x="0" y="0"/>
+          <a:chExt cx="0" cy="0"/>
+        </a:xfrm>
+      </p:grpSpPr>
+      <p:sp>
+        <p:nvSpPr>
+          <p:cNvPr id="2" name="Titel 1"/>
           <p:cNvSpPr>
             <a:spLocks noGrp="1"/>
           </p:cNvSpPr>
           <p:nvPr>
-            <p:ph idx="1"/>
+            <p:ph type="title"/>
           </p:nvPr>
         </p:nvSpPr>
         <p:spPr/>
@@ -5042,7 +5767,304 @@
           <a:bodyPr/>
           <a:lstStyle/>
           <a:p>
-            <a:endParaRPr lang="en-US"/>
+            <a:r>
+              <a:rPr lang="en-US" dirty="0" smtClean="0"/>
+              <a:t>User study: setup</a:t>
+            </a:r>
+            <a:endParaRPr lang="en-US" dirty="0"/>
+          </a:p>
+        </p:txBody>
+      </p:sp>
+      <p:sp>
+        <p:nvSpPr>
+          <p:cNvPr id="4" name="Tekstvak 3"/>
+          <p:cNvSpPr txBox="1"/>
+          <p:nvPr/>
+        </p:nvSpPr>
+        <p:spPr>
+          <a:xfrm>
+            <a:off x="2817812" y="1828800"/>
+            <a:ext cx="6858000" cy="830997"/>
+          </a:xfrm>
+          <a:prstGeom prst="rect">
+            <a:avLst/>
+          </a:prstGeom>
+          <a:noFill/>
+        </p:spPr>
+        <p:txBody>
+          <a:bodyPr wrap="square" rtlCol="0">
+            <a:spAutoFit/>
+          </a:bodyPr>
+          <a:lstStyle/>
+          <a:p>
+            <a:pPr marL="342900" indent="-342900">
+              <a:buFont typeface="Arial" panose="020B0604020202020204" pitchFamily="34" charset="0"/>
+              <a:buChar char="•"/>
+            </a:pPr>
+            <a:r>
+              <a:rPr lang="en-US" dirty="0" smtClean="0"/>
+              <a:t>98 participants with normal color vision</a:t>
+            </a:r>
+          </a:p>
+          <a:p>
+            <a:pPr marL="342900" indent="-342900">
+              <a:buFont typeface="Arial" panose="020B0604020202020204" pitchFamily="34" charset="0"/>
+              <a:buChar char="•"/>
+            </a:pPr>
+            <a:r>
+              <a:rPr lang="en-US" dirty="0" smtClean="0"/>
+              <a:t>10 participants with color vision </a:t>
+            </a:r>
+            <a:r>
+              <a:rPr lang="en-US" dirty="0" err="1" smtClean="0"/>
+              <a:t>deviciency</a:t>
+            </a:r>
+            <a:endParaRPr lang="en-US" dirty="0"/>
+          </a:p>
+        </p:txBody>
+      </p:sp>
+      <p:pic>
+        <p:nvPicPr>
+          <p:cNvPr id="4098" name="Picture 2" descr="D:\tijn\rdevel\hierCols\presentation\Graph_survey_FC-2.png"/>
+          <p:cNvPicPr>
+            <a:picLocks noChangeAspect="1" noChangeArrowheads="1"/>
+          </p:cNvPicPr>
+          <p:nvPr/>
+        </p:nvPicPr>
+        <p:blipFill>
+          <a:blip r:embed="rId2">
+            <a:extLst>
+              <a:ext uri="{28A0092B-C50C-407E-A947-70E740481C1C}">
+                <a14:useLocalDpi xmlns:a14="http://schemas.microsoft.com/office/drawing/2010/main" val="0"/>
+              </a:ext>
+            </a:extLst>
+          </a:blip>
+          <a:srcRect/>
+          <a:stretch>
+            <a:fillRect/>
+          </a:stretch>
+        </p:blipFill>
+        <p:spPr bwMode="auto">
+          <a:xfrm>
+            <a:off x="760412" y="2967335"/>
+            <a:ext cx="2857500" cy="2857500"/>
+          </a:xfrm>
+          <a:prstGeom prst="rect">
+            <a:avLst/>
+          </a:prstGeom>
+          <a:noFill/>
+          <a:extLst>
+            <a:ext uri="{909E8E84-426E-40DD-AFC4-6F175D3DCCD1}">
+              <a14:hiddenFill xmlns:a14="http://schemas.microsoft.com/office/drawing/2010/main">
+                <a:solidFill>
+                  <a:srgbClr val="FFFFFF"/>
+                </a:solidFill>
+              </a14:hiddenFill>
+            </a:ext>
+          </a:extLst>
+        </p:spPr>
+      </p:pic>
+      <p:pic>
+        <p:nvPicPr>
+          <p:cNvPr id="4099" name="Picture 3" descr="D:\tijn\rdevel\hierCols\presentation\Graph_survey_TC-2.png"/>
+          <p:cNvPicPr>
+            <a:picLocks noChangeAspect="1" noChangeArrowheads="1"/>
+          </p:cNvPicPr>
+          <p:nvPr/>
+        </p:nvPicPr>
+        <p:blipFill>
+          <a:blip r:embed="rId3">
+            <a:extLst>
+              <a:ext uri="{28A0092B-C50C-407E-A947-70E740481C1C}">
+                <a14:useLocalDpi xmlns:a14="http://schemas.microsoft.com/office/drawing/2010/main" val="0"/>
+              </a:ext>
+            </a:extLst>
+          </a:blip>
+          <a:srcRect/>
+          <a:stretch>
+            <a:fillRect/>
+          </a:stretch>
+        </p:blipFill>
+        <p:spPr bwMode="auto">
+          <a:xfrm>
+            <a:off x="4189412" y="2967335"/>
+            <a:ext cx="2857500" cy="2857500"/>
+          </a:xfrm>
+          <a:prstGeom prst="rect">
+            <a:avLst/>
+          </a:prstGeom>
+          <a:noFill/>
+          <a:extLst>
+            <a:ext uri="{909E8E84-426E-40DD-AFC4-6F175D3DCCD1}">
+              <a14:hiddenFill xmlns:a14="http://schemas.microsoft.com/office/drawing/2010/main">
+                <a:solidFill>
+                  <a:srgbClr val="FFFFFF"/>
+                </a:solidFill>
+              </a14:hiddenFill>
+            </a:ext>
+          </a:extLst>
+        </p:spPr>
+      </p:pic>
+      <p:sp>
+        <p:nvSpPr>
+          <p:cNvPr id="5" name="Tekstvak 4"/>
+          <p:cNvSpPr txBox="1"/>
+          <p:nvPr/>
+        </p:nvSpPr>
+        <p:spPr>
+          <a:xfrm>
+            <a:off x="1003414" y="5939134"/>
+            <a:ext cx="2614498" cy="461665"/>
+          </a:xfrm>
+          <a:prstGeom prst="rect">
+            <a:avLst/>
+          </a:prstGeom>
+          <a:noFill/>
+        </p:spPr>
+        <p:txBody>
+          <a:bodyPr wrap="none" rtlCol="0">
+            <a:spAutoFit/>
+          </a:bodyPr>
+          <a:lstStyle/>
+          <a:p>
+            <a:r>
+              <a:rPr lang="en-US" dirty="0" smtClean="0"/>
+              <a:t>Main Branch Colors</a:t>
+            </a:r>
+            <a:endParaRPr lang="en-US" dirty="0"/>
+          </a:p>
+        </p:txBody>
+      </p:sp>
+      <p:sp>
+        <p:nvSpPr>
+          <p:cNvPr id="6" name="Rechthoek 5"/>
+          <p:cNvSpPr/>
+          <p:nvPr/>
+        </p:nvSpPr>
+        <p:spPr>
+          <a:xfrm>
+            <a:off x="4951412" y="5939135"/>
+            <a:ext cx="1576522" cy="461665"/>
+          </a:xfrm>
+          <a:prstGeom prst="rect">
+            <a:avLst/>
+          </a:prstGeom>
+        </p:spPr>
+        <p:txBody>
+          <a:bodyPr wrap="none">
+            <a:spAutoFit/>
+          </a:bodyPr>
+          <a:lstStyle/>
+          <a:p>
+            <a:r>
+              <a:rPr lang="en-US" dirty="0" smtClean="0"/>
+              <a:t>Tree Colors</a:t>
+            </a:r>
+            <a:endParaRPr lang="en-US" dirty="0"/>
+          </a:p>
+        </p:txBody>
+      </p:sp>
+      <p:sp>
+        <p:nvSpPr>
+          <p:cNvPr id="7" name="Tekstvak 6"/>
+          <p:cNvSpPr txBox="1"/>
+          <p:nvPr/>
+        </p:nvSpPr>
+        <p:spPr>
+          <a:xfrm>
+            <a:off x="8159749" y="3195935"/>
+            <a:ext cx="3047999" cy="2923877"/>
+          </a:xfrm>
+          <a:prstGeom prst="rect">
+            <a:avLst/>
+          </a:prstGeom>
+          <a:noFill/>
+        </p:spPr>
+        <p:txBody>
+          <a:bodyPr wrap="square" rtlCol="0">
+            <a:spAutoFit/>
+          </a:bodyPr>
+          <a:lstStyle/>
+          <a:p>
+            <a:r>
+              <a:rPr lang="en-US" dirty="0" smtClean="0"/>
+              <a:t>Reading questions:</a:t>
+            </a:r>
+          </a:p>
+          <a:p>
+            <a:pPr marL="457200" indent="-457200">
+              <a:buFont typeface="Arial" panose="020B0604020202020204" pitchFamily="34" charset="0"/>
+              <a:buChar char="•"/>
+            </a:pPr>
+            <a:r>
+              <a:rPr lang="en-US" sz="2000" dirty="0" smtClean="0"/>
+              <a:t>Relations</a:t>
+            </a:r>
+          </a:p>
+          <a:p>
+            <a:pPr marL="457200" indent="-457200">
+              <a:buFont typeface="Arial" panose="020B0604020202020204" pitchFamily="34" charset="0"/>
+              <a:buChar char="•"/>
+            </a:pPr>
+            <a:r>
+              <a:rPr lang="en-US" sz="2000" dirty="0" smtClean="0"/>
+              <a:t>Offspring</a:t>
+            </a:r>
+          </a:p>
+          <a:p>
+            <a:pPr marL="457200" indent="-457200">
+              <a:buFont typeface="+mj-lt"/>
+              <a:buAutoNum type="arabicPeriod"/>
+            </a:pPr>
+            <a:endParaRPr lang="en-US" sz="2000" dirty="0"/>
+          </a:p>
+          <a:p>
+            <a:r>
+              <a:rPr lang="en-US" sz="2000" dirty="0" smtClean="0"/>
+              <a:t>Evaluation </a:t>
+            </a:r>
+            <a:r>
+              <a:rPr lang="en-US" sz="2000" dirty="0"/>
+              <a:t>questions:</a:t>
+            </a:r>
+          </a:p>
+          <a:p>
+            <a:pPr marL="457200" indent="-457200">
+              <a:buFont typeface="Arial" panose="020B0604020202020204" pitchFamily="34" charset="0"/>
+              <a:buChar char="•"/>
+            </a:pPr>
+            <a:r>
+              <a:rPr lang="en-US" sz="2000" dirty="0" smtClean="0"/>
+              <a:t>Prettiness</a:t>
+            </a:r>
+          </a:p>
+          <a:p>
+            <a:pPr marL="457200" indent="-457200">
+              <a:buFont typeface="Arial" panose="020B0604020202020204" pitchFamily="34" charset="0"/>
+              <a:buChar char="•"/>
+            </a:pPr>
+            <a:r>
+              <a:rPr lang="en-US" sz="2000" dirty="0" smtClean="0"/>
+              <a:t>Interpretation</a:t>
+            </a:r>
+          </a:p>
+          <a:p>
+            <a:pPr marL="457200" indent="-457200">
+              <a:buFont typeface="Arial" panose="020B0604020202020204" pitchFamily="34" charset="0"/>
+              <a:buChar char="•"/>
+            </a:pPr>
+            <a:r>
+              <a:rPr lang="en-US" sz="2000" dirty="0" smtClean="0"/>
+              <a:t>Overview</a:t>
+            </a:r>
+            <a:endParaRPr lang="en-US" sz="2000" dirty="0"/>
+          </a:p>
+          <a:p>
+            <a:pPr marL="457200" indent="-457200">
+              <a:buFont typeface="+mj-lt"/>
+              <a:buAutoNum type="arabicPeriod"/>
+            </a:pPr>
+            <a:endParaRPr lang="en-US" sz="2000" dirty="0"/>
           </a:p>
         </p:txBody>
       </p:sp>
@@ -5050,6 +6072,911 @@
     <p:extLst>
       <p:ext uri="{BB962C8B-B14F-4D97-AF65-F5344CB8AC3E}">
         <p14:creationId xmlns:p14="http://schemas.microsoft.com/office/powerpoint/2010/main" val="3575033746"/>
+      </p:ext>
+    </p:extLst>
+  </p:cSld>
+  <p:clrMapOvr>
+    <a:masterClrMapping/>
+  </p:clrMapOvr>
+  <p:timing>
+    <p:tnLst>
+      <p:par>
+        <p:cTn id="1" dur="indefinite" restart="never" nodeType="tmRoot">
+          <p:childTnLst>
+            <p:seq concurrent="1" nextAc="seek">
+              <p:cTn id="2" dur="indefinite" nodeType="mainSeq">
+                <p:childTnLst>
+                  <p:par>
+                    <p:cTn id="3" fill="hold">
+                      <p:stCondLst>
+                        <p:cond delay="indefinite"/>
+                      </p:stCondLst>
+                      <p:childTnLst>
+                        <p:par>
+                          <p:cTn id="4" fill="hold">
+                            <p:stCondLst>
+                              <p:cond delay="0"/>
+                            </p:stCondLst>
+                            <p:childTnLst>
+                              <p:par>
+                                <p:cTn id="5" presetID="1" presetClass="entr" presetSubtype="0" fill="hold" nodeType="clickEffect">
+                                  <p:stCondLst>
+                                    <p:cond delay="0"/>
+                                  </p:stCondLst>
+                                  <p:childTnLst>
+                                    <p:set>
+                                      <p:cBhvr>
+                                        <p:cTn id="6" dur="1" fill="hold">
+                                          <p:stCondLst>
+                                            <p:cond delay="0"/>
+                                          </p:stCondLst>
+                                        </p:cTn>
+                                        <p:tgtEl>
+                                          <p:spTgt spid="4098"/>
+                                        </p:tgtEl>
+                                        <p:attrNameLst>
+                                          <p:attrName>style.visibility</p:attrName>
+                                        </p:attrNameLst>
+                                      </p:cBhvr>
+                                      <p:to>
+                                        <p:strVal val="visible"/>
+                                      </p:to>
+                                    </p:set>
+                                  </p:childTnLst>
+                                </p:cTn>
+                              </p:par>
+                              <p:par>
+                                <p:cTn id="7" presetID="1" presetClass="entr" presetSubtype="0" fill="hold" nodeType="withEffect">
+                                  <p:stCondLst>
+                                    <p:cond delay="0"/>
+                                  </p:stCondLst>
+                                  <p:childTnLst>
+                                    <p:set>
+                                      <p:cBhvr>
+                                        <p:cTn id="8" dur="1" fill="hold">
+                                          <p:stCondLst>
+                                            <p:cond delay="0"/>
+                                          </p:stCondLst>
+                                        </p:cTn>
+                                        <p:tgtEl>
+                                          <p:spTgt spid="4099"/>
+                                        </p:tgtEl>
+                                        <p:attrNameLst>
+                                          <p:attrName>style.visibility</p:attrName>
+                                        </p:attrNameLst>
+                                      </p:cBhvr>
+                                      <p:to>
+                                        <p:strVal val="visible"/>
+                                      </p:to>
+                                    </p:set>
+                                  </p:childTnLst>
+                                </p:cTn>
+                              </p:par>
+                              <p:par>
+                                <p:cTn id="9" presetID="1" presetClass="entr" presetSubtype="0" fill="hold" grpId="0" nodeType="withEffect">
+                                  <p:stCondLst>
+                                    <p:cond delay="0"/>
+                                  </p:stCondLst>
+                                  <p:childTnLst>
+                                    <p:set>
+                                      <p:cBhvr>
+                                        <p:cTn id="10" dur="1" fill="hold">
+                                          <p:stCondLst>
+                                            <p:cond delay="0"/>
+                                          </p:stCondLst>
+                                        </p:cTn>
+                                        <p:tgtEl>
+                                          <p:spTgt spid="6"/>
+                                        </p:tgtEl>
+                                        <p:attrNameLst>
+                                          <p:attrName>style.visibility</p:attrName>
+                                        </p:attrNameLst>
+                                      </p:cBhvr>
+                                      <p:to>
+                                        <p:strVal val="visible"/>
+                                      </p:to>
+                                    </p:set>
+                                  </p:childTnLst>
+                                </p:cTn>
+                              </p:par>
+                              <p:par>
+                                <p:cTn id="11" presetID="1" presetClass="entr" presetSubtype="0" fill="hold" grpId="0" nodeType="withEffect">
+                                  <p:stCondLst>
+                                    <p:cond delay="0"/>
+                                  </p:stCondLst>
+                                  <p:childTnLst>
+                                    <p:set>
+                                      <p:cBhvr>
+                                        <p:cTn id="12" dur="1" fill="hold">
+                                          <p:stCondLst>
+                                            <p:cond delay="0"/>
+                                          </p:stCondLst>
+                                        </p:cTn>
+                                        <p:tgtEl>
+                                          <p:spTgt spid="5"/>
+                                        </p:tgtEl>
+                                        <p:attrNameLst>
+                                          <p:attrName>style.visibility</p:attrName>
+                                        </p:attrNameLst>
+                                      </p:cBhvr>
+                                      <p:to>
+                                        <p:strVal val="visible"/>
+                                      </p:to>
+                                    </p:set>
+                                  </p:childTnLst>
+                                </p:cTn>
+                              </p:par>
+                            </p:childTnLst>
+                          </p:cTn>
+                        </p:par>
+                      </p:childTnLst>
+                    </p:cTn>
+                  </p:par>
+                  <p:par>
+                    <p:cTn id="13" fill="hold">
+                      <p:stCondLst>
+                        <p:cond delay="indefinite"/>
+                      </p:stCondLst>
+                      <p:childTnLst>
+                        <p:par>
+                          <p:cTn id="14" fill="hold">
+                            <p:stCondLst>
+                              <p:cond delay="0"/>
+                            </p:stCondLst>
+                            <p:childTnLst>
+                              <p:par>
+                                <p:cTn id="15" presetID="1" presetClass="entr" presetSubtype="0" fill="hold" grpId="0" nodeType="clickEffect">
+                                  <p:stCondLst>
+                                    <p:cond delay="0"/>
+                                  </p:stCondLst>
+                                  <p:childTnLst>
+                                    <p:set>
+                                      <p:cBhvr>
+                                        <p:cTn id="16" dur="1" fill="hold">
+                                          <p:stCondLst>
+                                            <p:cond delay="0"/>
+                                          </p:stCondLst>
+                                        </p:cTn>
+                                        <p:tgtEl>
+                                          <p:spTgt spid="7"/>
+                                        </p:tgtEl>
+                                        <p:attrNameLst>
+                                          <p:attrName>style.visibility</p:attrName>
+                                        </p:attrNameLst>
+                                      </p:cBhvr>
+                                      <p:to>
+                                        <p:strVal val="visible"/>
+                                      </p:to>
+                                    </p:set>
+                                  </p:childTnLst>
+                                </p:cTn>
+                              </p:par>
+                            </p:childTnLst>
+                          </p:cTn>
+                        </p:par>
+                      </p:childTnLst>
+                    </p:cTn>
+                  </p:par>
+                </p:childTnLst>
+              </p:cTn>
+              <p:prevCondLst>
+                <p:cond evt="onPrev" delay="0">
+                  <p:tgtEl>
+                    <p:sldTgt/>
+                  </p:tgtEl>
+                </p:cond>
+              </p:prevCondLst>
+              <p:nextCondLst>
+                <p:cond evt="onNext" delay="0">
+                  <p:tgtEl>
+                    <p:sldTgt/>
+                  </p:tgtEl>
+                </p:cond>
+              </p:nextCondLst>
+            </p:seq>
+          </p:childTnLst>
+        </p:cTn>
+      </p:par>
+    </p:tnLst>
+    <p:bldLst>
+      <p:bldP spid="5" grpId="0"/>
+      <p:bldP spid="6" grpId="0"/>
+      <p:bldP spid="7" grpId="0"/>
+    </p:bldLst>
+  </p:timing>
+</p:sld>
+</file>
+
+<file path=ppt/slides/slide18.xml><?xml version="1.0" encoding="utf-8"?>
+<p:sld xmlns:a="http://schemas.openxmlformats.org/drawingml/2006/main" xmlns:r="http://schemas.openxmlformats.org/officeDocument/2006/relationships" xmlns:p="http://schemas.openxmlformats.org/presentationml/2006/main">
+  <p:cSld>
+    <p:spTree>
+      <p:nvGrpSpPr>
+        <p:cNvPr id="1" name=""/>
+        <p:cNvGrpSpPr/>
+        <p:nvPr/>
+      </p:nvGrpSpPr>
+      <p:grpSpPr>
+        <a:xfrm>
+          <a:off x="0" y="0"/>
+          <a:ext cx="0" cy="0"/>
+          <a:chOff x="0" y="0"/>
+          <a:chExt cx="0" cy="0"/>
+        </a:xfrm>
+      </p:grpSpPr>
+      <p:sp>
+        <p:nvSpPr>
+          <p:cNvPr id="2" name="Titel 1"/>
+          <p:cNvSpPr>
+            <a:spLocks noGrp="1"/>
+          </p:cNvSpPr>
+          <p:nvPr>
+            <p:ph type="title"/>
+          </p:nvPr>
+        </p:nvSpPr>
+        <p:spPr/>
+        <p:txBody>
+          <a:bodyPr/>
+          <a:lstStyle/>
+          <a:p>
+            <a:r>
+              <a:rPr lang="en-US" dirty="0" smtClean="0"/>
+              <a:t>User study: setup</a:t>
+            </a:r>
+            <a:endParaRPr lang="en-US" dirty="0"/>
+          </a:p>
+        </p:txBody>
+      </p:sp>
+      <p:sp>
+        <p:nvSpPr>
+          <p:cNvPr id="4" name="Tekstvak 3"/>
+          <p:cNvSpPr txBox="1"/>
+          <p:nvPr/>
+        </p:nvSpPr>
+        <p:spPr>
+          <a:xfrm>
+            <a:off x="2817812" y="1828800"/>
+            <a:ext cx="6858000" cy="830997"/>
+          </a:xfrm>
+          <a:prstGeom prst="rect">
+            <a:avLst/>
+          </a:prstGeom>
+          <a:noFill/>
+        </p:spPr>
+        <p:txBody>
+          <a:bodyPr wrap="square" rtlCol="0">
+            <a:spAutoFit/>
+          </a:bodyPr>
+          <a:lstStyle/>
+          <a:p>
+            <a:pPr marL="342900" indent="-342900">
+              <a:buFont typeface="Arial" panose="020B0604020202020204" pitchFamily="34" charset="0"/>
+              <a:buChar char="•"/>
+            </a:pPr>
+            <a:r>
+              <a:rPr lang="en-US" dirty="0" smtClean="0"/>
+              <a:t>98 participants with normal color vision</a:t>
+            </a:r>
+          </a:p>
+          <a:p>
+            <a:pPr marL="342900" indent="-342900">
+              <a:buFont typeface="Arial" panose="020B0604020202020204" pitchFamily="34" charset="0"/>
+              <a:buChar char="•"/>
+            </a:pPr>
+            <a:r>
+              <a:rPr lang="en-US" dirty="0" smtClean="0"/>
+              <a:t>10 participants with color vision </a:t>
+            </a:r>
+            <a:r>
+              <a:rPr lang="en-US" dirty="0" err="1" smtClean="0"/>
+              <a:t>deviciency</a:t>
+            </a:r>
+            <a:endParaRPr lang="en-US" dirty="0"/>
+          </a:p>
+        </p:txBody>
+      </p:sp>
+      <p:sp>
+        <p:nvSpPr>
+          <p:cNvPr id="5" name="Tekstvak 4"/>
+          <p:cNvSpPr txBox="1"/>
+          <p:nvPr/>
+        </p:nvSpPr>
+        <p:spPr>
+          <a:xfrm>
+            <a:off x="1003414" y="5939134"/>
+            <a:ext cx="2614498" cy="461665"/>
+          </a:xfrm>
+          <a:prstGeom prst="rect">
+            <a:avLst/>
+          </a:prstGeom>
+          <a:noFill/>
+        </p:spPr>
+        <p:txBody>
+          <a:bodyPr wrap="none" rtlCol="0">
+            <a:spAutoFit/>
+          </a:bodyPr>
+          <a:lstStyle/>
+          <a:p>
+            <a:r>
+              <a:rPr lang="en-US" dirty="0" smtClean="0"/>
+              <a:t>Main Branch Colors</a:t>
+            </a:r>
+            <a:endParaRPr lang="en-US" dirty="0"/>
+          </a:p>
+        </p:txBody>
+      </p:sp>
+      <p:sp>
+        <p:nvSpPr>
+          <p:cNvPr id="6" name="Rechthoek 5"/>
+          <p:cNvSpPr/>
+          <p:nvPr/>
+        </p:nvSpPr>
+        <p:spPr>
+          <a:xfrm>
+            <a:off x="4951412" y="5939135"/>
+            <a:ext cx="1576522" cy="461665"/>
+          </a:xfrm>
+          <a:prstGeom prst="rect">
+            <a:avLst/>
+          </a:prstGeom>
+        </p:spPr>
+        <p:txBody>
+          <a:bodyPr wrap="none">
+            <a:spAutoFit/>
+          </a:bodyPr>
+          <a:lstStyle/>
+          <a:p>
+            <a:r>
+              <a:rPr lang="en-US" dirty="0" smtClean="0"/>
+              <a:t>Tree Colors</a:t>
+            </a:r>
+            <a:endParaRPr lang="en-US" dirty="0"/>
+          </a:p>
+        </p:txBody>
+      </p:sp>
+      <p:sp>
+        <p:nvSpPr>
+          <p:cNvPr id="7" name="Tekstvak 6"/>
+          <p:cNvSpPr txBox="1"/>
+          <p:nvPr/>
+        </p:nvSpPr>
+        <p:spPr>
+          <a:xfrm>
+            <a:off x="8159749" y="3195935"/>
+            <a:ext cx="3047999" cy="2923877"/>
+          </a:xfrm>
+          <a:prstGeom prst="rect">
+            <a:avLst/>
+          </a:prstGeom>
+          <a:noFill/>
+        </p:spPr>
+        <p:txBody>
+          <a:bodyPr wrap="square" rtlCol="0">
+            <a:spAutoFit/>
+          </a:bodyPr>
+          <a:lstStyle/>
+          <a:p>
+            <a:r>
+              <a:rPr lang="en-US" dirty="0" smtClean="0"/>
+              <a:t>Reading questions:</a:t>
+            </a:r>
+          </a:p>
+          <a:p>
+            <a:pPr marL="457200" indent="-457200">
+              <a:buFont typeface="Arial" panose="020B0604020202020204" pitchFamily="34" charset="0"/>
+              <a:buChar char="•"/>
+            </a:pPr>
+            <a:r>
+              <a:rPr lang="en-US" sz="2000" dirty="0" smtClean="0"/>
+              <a:t>Relations</a:t>
+            </a:r>
+          </a:p>
+          <a:p>
+            <a:pPr marL="457200" indent="-457200">
+              <a:buFont typeface="Arial" panose="020B0604020202020204" pitchFamily="34" charset="0"/>
+              <a:buChar char="•"/>
+            </a:pPr>
+            <a:r>
+              <a:rPr lang="en-US" sz="2000" dirty="0" smtClean="0"/>
+              <a:t>Offspring</a:t>
+            </a:r>
+          </a:p>
+          <a:p>
+            <a:pPr marL="457200" indent="-457200">
+              <a:buFont typeface="+mj-lt"/>
+              <a:buAutoNum type="arabicPeriod"/>
+            </a:pPr>
+            <a:endParaRPr lang="en-US" sz="2000" dirty="0"/>
+          </a:p>
+          <a:p>
+            <a:r>
+              <a:rPr lang="en-US" sz="2000" dirty="0" smtClean="0"/>
+              <a:t>Evaluation </a:t>
+            </a:r>
+            <a:r>
+              <a:rPr lang="en-US" sz="2000" dirty="0"/>
+              <a:t>questions:</a:t>
+            </a:r>
+          </a:p>
+          <a:p>
+            <a:pPr marL="457200" indent="-457200">
+              <a:buFont typeface="Arial" panose="020B0604020202020204" pitchFamily="34" charset="0"/>
+              <a:buChar char="•"/>
+            </a:pPr>
+            <a:r>
+              <a:rPr lang="en-US" sz="2000" dirty="0" smtClean="0"/>
+              <a:t>Prettiness</a:t>
+            </a:r>
+          </a:p>
+          <a:p>
+            <a:pPr marL="457200" indent="-457200">
+              <a:buFont typeface="Arial" panose="020B0604020202020204" pitchFamily="34" charset="0"/>
+              <a:buChar char="•"/>
+            </a:pPr>
+            <a:r>
+              <a:rPr lang="en-US" sz="2000" dirty="0" smtClean="0"/>
+              <a:t>Interpretation</a:t>
+            </a:r>
+          </a:p>
+          <a:p>
+            <a:pPr marL="457200" indent="-457200">
+              <a:buFont typeface="Arial" panose="020B0604020202020204" pitchFamily="34" charset="0"/>
+              <a:buChar char="•"/>
+            </a:pPr>
+            <a:r>
+              <a:rPr lang="en-US" sz="2000" dirty="0" smtClean="0"/>
+              <a:t>Overview</a:t>
+            </a:r>
+            <a:endParaRPr lang="en-US" sz="2000" dirty="0"/>
+          </a:p>
+          <a:p>
+            <a:pPr marL="457200" indent="-457200">
+              <a:buFont typeface="+mj-lt"/>
+              <a:buAutoNum type="arabicPeriod"/>
+            </a:pPr>
+            <a:endParaRPr lang="en-US" sz="2000" dirty="0"/>
+          </a:p>
+        </p:txBody>
+      </p:sp>
+      <p:pic>
+        <p:nvPicPr>
+          <p:cNvPr id="6146" name="Picture 2" descr="D:\tijn\rdevel\hierCols\presentation\Treemap_survey_FC-2.png"/>
+          <p:cNvPicPr>
+            <a:picLocks noChangeAspect="1" noChangeArrowheads="1"/>
+          </p:cNvPicPr>
+          <p:nvPr/>
+        </p:nvPicPr>
+        <p:blipFill>
+          <a:blip r:embed="rId2">
+            <a:extLst>
+              <a:ext uri="{28A0092B-C50C-407E-A947-70E740481C1C}">
+                <a14:useLocalDpi xmlns:a14="http://schemas.microsoft.com/office/drawing/2010/main" val="0"/>
+              </a:ext>
+            </a:extLst>
+          </a:blip>
+          <a:srcRect/>
+          <a:stretch>
+            <a:fillRect/>
+          </a:stretch>
+        </p:blipFill>
+        <p:spPr bwMode="auto">
+          <a:xfrm>
+            <a:off x="785075" y="2971800"/>
+            <a:ext cx="2857500" cy="2857500"/>
+          </a:xfrm>
+          <a:prstGeom prst="rect">
+            <a:avLst/>
+          </a:prstGeom>
+          <a:noFill/>
+          <a:extLst>
+            <a:ext uri="{909E8E84-426E-40DD-AFC4-6F175D3DCCD1}">
+              <a14:hiddenFill xmlns:a14="http://schemas.microsoft.com/office/drawing/2010/main">
+                <a:solidFill>
+                  <a:srgbClr val="FFFFFF"/>
+                </a:solidFill>
+              </a14:hiddenFill>
+            </a:ext>
+          </a:extLst>
+        </p:spPr>
+      </p:pic>
+      <p:pic>
+        <p:nvPicPr>
+          <p:cNvPr id="6147" name="Picture 3" descr="D:\tijn\rdevel\hierCols\presentation\Treemap_survey_TC-2.png"/>
+          <p:cNvPicPr>
+            <a:picLocks noChangeAspect="1" noChangeArrowheads="1"/>
+          </p:cNvPicPr>
+          <p:nvPr/>
+        </p:nvPicPr>
+        <p:blipFill>
+          <a:blip r:embed="rId3">
+            <a:extLst>
+              <a:ext uri="{28A0092B-C50C-407E-A947-70E740481C1C}">
+                <a14:useLocalDpi xmlns:a14="http://schemas.microsoft.com/office/drawing/2010/main" val="0"/>
+              </a:ext>
+            </a:extLst>
+          </a:blip>
+          <a:srcRect/>
+          <a:stretch>
+            <a:fillRect/>
+          </a:stretch>
+        </p:blipFill>
+        <p:spPr bwMode="auto">
+          <a:xfrm>
+            <a:off x="4189412" y="2971800"/>
+            <a:ext cx="2857500" cy="2857500"/>
+          </a:xfrm>
+          <a:prstGeom prst="rect">
+            <a:avLst/>
+          </a:prstGeom>
+          <a:noFill/>
+          <a:extLst>
+            <a:ext uri="{909E8E84-426E-40DD-AFC4-6F175D3DCCD1}">
+              <a14:hiddenFill xmlns:a14="http://schemas.microsoft.com/office/drawing/2010/main">
+                <a:solidFill>
+                  <a:srgbClr val="FFFFFF"/>
+                </a:solidFill>
+              </a14:hiddenFill>
+            </a:ext>
+          </a:extLst>
+        </p:spPr>
+      </p:pic>
+    </p:spTree>
+    <p:extLst>
+      <p:ext uri="{BB962C8B-B14F-4D97-AF65-F5344CB8AC3E}">
+        <p14:creationId xmlns:p14="http://schemas.microsoft.com/office/powerpoint/2010/main" val="3304310569"/>
+      </p:ext>
+    </p:extLst>
+  </p:cSld>
+  <p:clrMapOvr>
+    <a:masterClrMapping/>
+  </p:clrMapOvr>
+  <p:timing>
+    <p:tnLst>
+      <p:par>
+        <p:cTn id="1" dur="indefinite" restart="never" nodeType="tmRoot"/>
+      </p:par>
+    </p:tnLst>
+  </p:timing>
+</p:sld>
+</file>
+
+<file path=ppt/slides/slide19.xml><?xml version="1.0" encoding="utf-8"?>
+<p:sld xmlns:a="http://schemas.openxmlformats.org/drawingml/2006/main" xmlns:r="http://schemas.openxmlformats.org/officeDocument/2006/relationships" xmlns:p="http://schemas.openxmlformats.org/presentationml/2006/main">
+  <p:cSld>
+    <p:spTree>
+      <p:nvGrpSpPr>
+        <p:cNvPr id="1" name=""/>
+        <p:cNvGrpSpPr/>
+        <p:nvPr/>
+      </p:nvGrpSpPr>
+      <p:grpSpPr>
+        <a:xfrm>
+          <a:off x="0" y="0"/>
+          <a:ext cx="0" cy="0"/>
+          <a:chOff x="0" y="0"/>
+          <a:chExt cx="0" cy="0"/>
+        </a:xfrm>
+      </p:grpSpPr>
+      <p:sp>
+        <p:nvSpPr>
+          <p:cNvPr id="2" name="Titel 1"/>
+          <p:cNvSpPr>
+            <a:spLocks noGrp="1"/>
+          </p:cNvSpPr>
+          <p:nvPr>
+            <p:ph type="title"/>
+          </p:nvPr>
+        </p:nvSpPr>
+        <p:spPr/>
+        <p:txBody>
+          <a:bodyPr/>
+          <a:lstStyle/>
+          <a:p>
+            <a:r>
+              <a:rPr lang="en-US" dirty="0" smtClean="0"/>
+              <a:t>User study: setup</a:t>
+            </a:r>
+            <a:endParaRPr lang="en-US" dirty="0"/>
+          </a:p>
+        </p:txBody>
+      </p:sp>
+      <p:sp>
+        <p:nvSpPr>
+          <p:cNvPr id="4" name="Tekstvak 3"/>
+          <p:cNvSpPr txBox="1"/>
+          <p:nvPr/>
+        </p:nvSpPr>
+        <p:spPr>
+          <a:xfrm>
+            <a:off x="2817812" y="1828800"/>
+            <a:ext cx="6858000" cy="830997"/>
+          </a:xfrm>
+          <a:prstGeom prst="rect">
+            <a:avLst/>
+          </a:prstGeom>
+          <a:noFill/>
+        </p:spPr>
+        <p:txBody>
+          <a:bodyPr wrap="square" rtlCol="0">
+            <a:spAutoFit/>
+          </a:bodyPr>
+          <a:lstStyle/>
+          <a:p>
+            <a:pPr marL="342900" indent="-342900">
+              <a:buFont typeface="Arial" panose="020B0604020202020204" pitchFamily="34" charset="0"/>
+              <a:buChar char="•"/>
+            </a:pPr>
+            <a:r>
+              <a:rPr lang="en-US" dirty="0" smtClean="0"/>
+              <a:t>98 participants with normal color vision</a:t>
+            </a:r>
+          </a:p>
+          <a:p>
+            <a:pPr marL="342900" indent="-342900">
+              <a:buFont typeface="Arial" panose="020B0604020202020204" pitchFamily="34" charset="0"/>
+              <a:buChar char="•"/>
+            </a:pPr>
+            <a:r>
+              <a:rPr lang="en-US" dirty="0" smtClean="0"/>
+              <a:t>10 participants with color vision </a:t>
+            </a:r>
+            <a:r>
+              <a:rPr lang="en-US" dirty="0" err="1" smtClean="0"/>
+              <a:t>deviciency</a:t>
+            </a:r>
+            <a:endParaRPr lang="en-US" dirty="0"/>
+          </a:p>
+        </p:txBody>
+      </p:sp>
+      <p:sp>
+        <p:nvSpPr>
+          <p:cNvPr id="5" name="Tekstvak 4"/>
+          <p:cNvSpPr txBox="1"/>
+          <p:nvPr/>
+        </p:nvSpPr>
+        <p:spPr>
+          <a:xfrm>
+            <a:off x="1003414" y="5939134"/>
+            <a:ext cx="2614498" cy="461665"/>
+          </a:xfrm>
+          <a:prstGeom prst="rect">
+            <a:avLst/>
+          </a:prstGeom>
+          <a:noFill/>
+        </p:spPr>
+        <p:txBody>
+          <a:bodyPr wrap="none" rtlCol="0">
+            <a:spAutoFit/>
+          </a:bodyPr>
+          <a:lstStyle/>
+          <a:p>
+            <a:r>
+              <a:rPr lang="en-US" dirty="0" smtClean="0"/>
+              <a:t>Main Branch Colors</a:t>
+            </a:r>
+            <a:endParaRPr lang="en-US" dirty="0"/>
+          </a:p>
+        </p:txBody>
+      </p:sp>
+      <p:sp>
+        <p:nvSpPr>
+          <p:cNvPr id="6" name="Rechthoek 5"/>
+          <p:cNvSpPr/>
+          <p:nvPr/>
+        </p:nvSpPr>
+        <p:spPr>
+          <a:xfrm>
+            <a:off x="4951412" y="5939135"/>
+            <a:ext cx="1576522" cy="461665"/>
+          </a:xfrm>
+          <a:prstGeom prst="rect">
+            <a:avLst/>
+          </a:prstGeom>
+        </p:spPr>
+        <p:txBody>
+          <a:bodyPr wrap="none">
+            <a:spAutoFit/>
+          </a:bodyPr>
+          <a:lstStyle/>
+          <a:p>
+            <a:r>
+              <a:rPr lang="en-US" dirty="0" smtClean="0"/>
+              <a:t>Tree Colors</a:t>
+            </a:r>
+            <a:endParaRPr lang="en-US" dirty="0"/>
+          </a:p>
+        </p:txBody>
+      </p:sp>
+      <p:sp>
+        <p:nvSpPr>
+          <p:cNvPr id="7" name="Tekstvak 6"/>
+          <p:cNvSpPr txBox="1"/>
+          <p:nvPr/>
+        </p:nvSpPr>
+        <p:spPr>
+          <a:xfrm>
+            <a:off x="8159749" y="3195935"/>
+            <a:ext cx="3047999" cy="2923877"/>
+          </a:xfrm>
+          <a:prstGeom prst="rect">
+            <a:avLst/>
+          </a:prstGeom>
+          <a:noFill/>
+        </p:spPr>
+        <p:txBody>
+          <a:bodyPr wrap="square" rtlCol="0">
+            <a:spAutoFit/>
+          </a:bodyPr>
+          <a:lstStyle/>
+          <a:p>
+            <a:r>
+              <a:rPr lang="en-US" dirty="0" smtClean="0"/>
+              <a:t>Reading questions:</a:t>
+            </a:r>
+          </a:p>
+          <a:p>
+            <a:pPr marL="457200" indent="-457200">
+              <a:buFont typeface="Arial" panose="020B0604020202020204" pitchFamily="34" charset="0"/>
+              <a:buChar char="•"/>
+            </a:pPr>
+            <a:r>
+              <a:rPr lang="en-US" sz="2000" dirty="0" smtClean="0"/>
+              <a:t>Relations</a:t>
+            </a:r>
+          </a:p>
+          <a:p>
+            <a:pPr marL="457200" indent="-457200">
+              <a:buFont typeface="Arial" panose="020B0604020202020204" pitchFamily="34" charset="0"/>
+              <a:buChar char="•"/>
+            </a:pPr>
+            <a:r>
+              <a:rPr lang="en-US" sz="2000" dirty="0" smtClean="0"/>
+              <a:t>Offspring</a:t>
+            </a:r>
+          </a:p>
+          <a:p>
+            <a:pPr marL="457200" indent="-457200">
+              <a:buFont typeface="+mj-lt"/>
+              <a:buAutoNum type="arabicPeriod"/>
+            </a:pPr>
+            <a:endParaRPr lang="en-US" sz="2000" dirty="0"/>
+          </a:p>
+          <a:p>
+            <a:r>
+              <a:rPr lang="en-US" sz="2000" dirty="0" smtClean="0"/>
+              <a:t>Evaluation </a:t>
+            </a:r>
+            <a:r>
+              <a:rPr lang="en-US" sz="2000" dirty="0"/>
+              <a:t>questions:</a:t>
+            </a:r>
+          </a:p>
+          <a:p>
+            <a:pPr marL="457200" indent="-457200">
+              <a:buFont typeface="Arial" panose="020B0604020202020204" pitchFamily="34" charset="0"/>
+              <a:buChar char="•"/>
+            </a:pPr>
+            <a:r>
+              <a:rPr lang="en-US" sz="2000" dirty="0" smtClean="0"/>
+              <a:t>Prettiness</a:t>
+            </a:r>
+          </a:p>
+          <a:p>
+            <a:pPr marL="457200" indent="-457200">
+              <a:buFont typeface="Arial" panose="020B0604020202020204" pitchFamily="34" charset="0"/>
+              <a:buChar char="•"/>
+            </a:pPr>
+            <a:r>
+              <a:rPr lang="en-US" sz="2000" dirty="0" smtClean="0"/>
+              <a:t>Interpretation</a:t>
+            </a:r>
+          </a:p>
+          <a:p>
+            <a:pPr marL="457200" indent="-457200">
+              <a:buFont typeface="Arial" panose="020B0604020202020204" pitchFamily="34" charset="0"/>
+              <a:buChar char="•"/>
+            </a:pPr>
+            <a:r>
+              <a:rPr lang="en-US" sz="2000" dirty="0" smtClean="0"/>
+              <a:t>Overview</a:t>
+            </a:r>
+            <a:endParaRPr lang="en-US" sz="2000" dirty="0"/>
+          </a:p>
+          <a:p>
+            <a:pPr marL="457200" indent="-457200">
+              <a:buFont typeface="+mj-lt"/>
+              <a:buAutoNum type="arabicPeriod"/>
+            </a:pPr>
+            <a:endParaRPr lang="en-US" sz="2000" dirty="0"/>
+          </a:p>
+        </p:txBody>
+      </p:sp>
+      <p:pic>
+        <p:nvPicPr>
+          <p:cNvPr id="7170" name="Picture 2" descr="D:\tijn\rdevel\hierCols\presentation\Bar_survey_FC-2.png"/>
+          <p:cNvPicPr>
+            <a:picLocks noChangeAspect="1" noChangeArrowheads="1"/>
+          </p:cNvPicPr>
+          <p:nvPr/>
+        </p:nvPicPr>
+        <p:blipFill>
+          <a:blip r:embed="rId2">
+            <a:extLst>
+              <a:ext uri="{28A0092B-C50C-407E-A947-70E740481C1C}">
+                <a14:useLocalDpi xmlns:a14="http://schemas.microsoft.com/office/drawing/2010/main" val="0"/>
+              </a:ext>
+            </a:extLst>
+          </a:blip>
+          <a:srcRect/>
+          <a:stretch>
+            <a:fillRect/>
+          </a:stretch>
+        </p:blipFill>
+        <p:spPr bwMode="auto">
+          <a:xfrm>
+            <a:off x="965314" y="2971800"/>
+            <a:ext cx="2857500" cy="2857500"/>
+          </a:xfrm>
+          <a:prstGeom prst="rect">
+            <a:avLst/>
+          </a:prstGeom>
+          <a:noFill/>
+          <a:extLst>
+            <a:ext uri="{909E8E84-426E-40DD-AFC4-6F175D3DCCD1}">
+              <a14:hiddenFill xmlns:a14="http://schemas.microsoft.com/office/drawing/2010/main">
+                <a:solidFill>
+                  <a:srgbClr val="FFFFFF"/>
+                </a:solidFill>
+              </a14:hiddenFill>
+            </a:ext>
+          </a:extLst>
+        </p:spPr>
+      </p:pic>
+      <p:pic>
+        <p:nvPicPr>
+          <p:cNvPr id="7171" name="Picture 3" descr="D:\tijn\rdevel\hierCols\presentation\Bar_survey_TC-2.png"/>
+          <p:cNvPicPr>
+            <a:picLocks noChangeAspect="1" noChangeArrowheads="1"/>
+          </p:cNvPicPr>
+          <p:nvPr/>
+        </p:nvPicPr>
+        <p:blipFill>
+          <a:blip r:embed="rId3">
+            <a:extLst>
+              <a:ext uri="{28A0092B-C50C-407E-A947-70E740481C1C}">
+                <a14:useLocalDpi xmlns:a14="http://schemas.microsoft.com/office/drawing/2010/main" val="0"/>
+              </a:ext>
+            </a:extLst>
+          </a:blip>
+          <a:srcRect/>
+          <a:stretch>
+            <a:fillRect/>
+          </a:stretch>
+        </p:blipFill>
+        <p:spPr bwMode="auto">
+          <a:xfrm>
+            <a:off x="4310923" y="2971800"/>
+            <a:ext cx="2857500" cy="2857500"/>
+          </a:xfrm>
+          <a:prstGeom prst="rect">
+            <a:avLst/>
+          </a:prstGeom>
+          <a:noFill/>
+          <a:extLst>
+            <a:ext uri="{909E8E84-426E-40DD-AFC4-6F175D3DCCD1}">
+              <a14:hiddenFill xmlns:a14="http://schemas.microsoft.com/office/drawing/2010/main">
+                <a:solidFill>
+                  <a:srgbClr val="FFFFFF"/>
+                </a:solidFill>
+              </a14:hiddenFill>
+            </a:ext>
+          </a:extLst>
+        </p:spPr>
+      </p:pic>
+    </p:spTree>
+    <p:extLst>
+      <p:ext uri="{BB962C8B-B14F-4D97-AF65-F5344CB8AC3E}">
+        <p14:creationId xmlns:p14="http://schemas.microsoft.com/office/powerpoint/2010/main" val="3546949942"/>
       </p:ext>
     </p:extLst>
   </p:cSld>
@@ -5191,8 +7118,9 @@
             </a:pPr>
             <a:r>
               <a:rPr lang="en-US" sz="2000" dirty="0" smtClean="0"/>
-              <a:t>Products</a:t>
-            </a:r>
+              <a:t>Goods</a:t>
+            </a:r>
+            <a:endParaRPr lang="en-US" sz="2000" dirty="0" smtClean="0"/>
           </a:p>
           <a:p>
             <a:pPr marL="342900" indent="-342900">
@@ -5329,7 +7257,600 @@
   <p:timing>
     <p:tnLst>
       <p:par>
+        <p:cTn id="1" dur="indefinite" restart="never" nodeType="tmRoot">
+          <p:childTnLst>
+            <p:seq concurrent="1" nextAc="seek">
+              <p:cTn id="2" dur="indefinite" nodeType="mainSeq">
+                <p:childTnLst>
+                  <p:par>
+                    <p:cTn id="3" fill="hold">
+                      <p:stCondLst>
+                        <p:cond delay="indefinite"/>
+                      </p:stCondLst>
+                      <p:childTnLst>
+                        <p:par>
+                          <p:cTn id="4" fill="hold">
+                            <p:stCondLst>
+                              <p:cond delay="0"/>
+                            </p:stCondLst>
+                            <p:childTnLst>
+                              <p:par>
+                                <p:cTn id="5" presetID="1" presetClass="entr" presetSubtype="0" fill="hold" grpId="0" nodeType="clickEffect">
+                                  <p:stCondLst>
+                                    <p:cond delay="0"/>
+                                  </p:stCondLst>
+                                  <p:childTnLst>
+                                    <p:set>
+                                      <p:cBhvr>
+                                        <p:cTn id="6" dur="1" fill="hold">
+                                          <p:stCondLst>
+                                            <p:cond delay="0"/>
+                                          </p:stCondLst>
+                                        </p:cTn>
+                                        <p:tgtEl>
+                                          <p:spTgt spid="3"/>
+                                        </p:tgtEl>
+                                        <p:attrNameLst>
+                                          <p:attrName>style.visibility</p:attrName>
+                                        </p:attrNameLst>
+                                      </p:cBhvr>
+                                      <p:to>
+                                        <p:strVal val="visible"/>
+                                      </p:to>
+                                    </p:set>
+                                  </p:childTnLst>
+                                </p:cTn>
+                              </p:par>
+                            </p:childTnLst>
+                          </p:cTn>
+                        </p:par>
+                      </p:childTnLst>
+                    </p:cTn>
+                  </p:par>
+                  <p:par>
+                    <p:cTn id="7" fill="hold">
+                      <p:stCondLst>
+                        <p:cond delay="indefinite"/>
+                      </p:stCondLst>
+                      <p:childTnLst>
+                        <p:par>
+                          <p:cTn id="8" fill="hold">
+                            <p:stCondLst>
+                              <p:cond delay="0"/>
+                            </p:stCondLst>
+                            <p:childTnLst>
+                              <p:par>
+                                <p:cTn id="9" presetID="1" presetClass="entr" presetSubtype="0" fill="hold" grpId="0" nodeType="clickEffect">
+                                  <p:stCondLst>
+                                    <p:cond delay="0"/>
+                                  </p:stCondLst>
+                                  <p:childTnLst>
+                                    <p:set>
+                                      <p:cBhvr>
+                                        <p:cTn id="10" dur="1" fill="hold">
+                                          <p:stCondLst>
+                                            <p:cond delay="0"/>
+                                          </p:stCondLst>
+                                        </p:cTn>
+                                        <p:tgtEl>
+                                          <p:spTgt spid="5"/>
+                                        </p:tgtEl>
+                                        <p:attrNameLst>
+                                          <p:attrName>style.visibility</p:attrName>
+                                        </p:attrNameLst>
+                                      </p:cBhvr>
+                                      <p:to>
+                                        <p:strVal val="visible"/>
+                                      </p:to>
+                                    </p:set>
+                                  </p:childTnLst>
+                                </p:cTn>
+                              </p:par>
+                            </p:childTnLst>
+                          </p:cTn>
+                        </p:par>
+                      </p:childTnLst>
+                    </p:cTn>
+                  </p:par>
+                  <p:par>
+                    <p:cTn id="11" fill="hold">
+                      <p:stCondLst>
+                        <p:cond delay="indefinite"/>
+                      </p:stCondLst>
+                      <p:childTnLst>
+                        <p:par>
+                          <p:cTn id="12" fill="hold">
+                            <p:stCondLst>
+                              <p:cond delay="0"/>
+                            </p:stCondLst>
+                            <p:childTnLst>
+                              <p:par>
+                                <p:cTn id="13" presetID="1" presetClass="entr" presetSubtype="0" fill="hold" grpId="0" nodeType="clickEffect">
+                                  <p:stCondLst>
+                                    <p:cond delay="0"/>
+                                  </p:stCondLst>
+                                  <p:childTnLst>
+                                    <p:set>
+                                      <p:cBhvr>
+                                        <p:cTn id="14" dur="1" fill="hold">
+                                          <p:stCondLst>
+                                            <p:cond delay="0"/>
+                                          </p:stCondLst>
+                                        </p:cTn>
+                                        <p:tgtEl>
+                                          <p:spTgt spid="4"/>
+                                        </p:tgtEl>
+                                        <p:attrNameLst>
+                                          <p:attrName>style.visibility</p:attrName>
+                                        </p:attrNameLst>
+                                      </p:cBhvr>
+                                      <p:to>
+                                        <p:strVal val="visible"/>
+                                      </p:to>
+                                    </p:set>
+                                  </p:childTnLst>
+                                </p:cTn>
+                              </p:par>
+                            </p:childTnLst>
+                          </p:cTn>
+                        </p:par>
+                      </p:childTnLst>
+                    </p:cTn>
+                  </p:par>
+                </p:childTnLst>
+              </p:cTn>
+              <p:prevCondLst>
+                <p:cond evt="onPrev" delay="0">
+                  <p:tgtEl>
+                    <p:sldTgt/>
+                  </p:tgtEl>
+                </p:cond>
+              </p:prevCondLst>
+              <p:nextCondLst>
+                <p:cond evt="onNext" delay="0">
+                  <p:tgtEl>
+                    <p:sldTgt/>
+                  </p:tgtEl>
+                </p:cond>
+              </p:nextCondLst>
+            </p:seq>
+          </p:childTnLst>
+        </p:cTn>
+      </p:par>
+    </p:tnLst>
+    <p:bldLst>
+      <p:bldP spid="3" grpId="0"/>
+      <p:bldP spid="4" grpId="0"/>
+      <p:bldP spid="5" grpId="0"/>
+    </p:bldLst>
+  </p:timing>
+</p:sld>
+</file>
+
+<file path=ppt/slides/slide20.xml><?xml version="1.0" encoding="utf-8"?>
+<p:sld xmlns:a="http://schemas.openxmlformats.org/drawingml/2006/main" xmlns:r="http://schemas.openxmlformats.org/officeDocument/2006/relationships" xmlns:p="http://schemas.openxmlformats.org/presentationml/2006/main">
+  <p:cSld>
+    <p:spTree>
+      <p:nvGrpSpPr>
+        <p:cNvPr id="1" name=""/>
+        <p:cNvGrpSpPr/>
+        <p:nvPr/>
+      </p:nvGrpSpPr>
+      <p:grpSpPr>
+        <a:xfrm>
+          <a:off x="0" y="0"/>
+          <a:ext cx="0" cy="0"/>
+          <a:chOff x="0" y="0"/>
+          <a:chExt cx="0" cy="0"/>
+        </a:xfrm>
+      </p:grpSpPr>
+      <p:sp>
+        <p:nvSpPr>
+          <p:cNvPr id="2" name="Titel 1"/>
+          <p:cNvSpPr>
+            <a:spLocks noGrp="1"/>
+          </p:cNvSpPr>
+          <p:nvPr>
+            <p:ph type="title"/>
+          </p:nvPr>
+        </p:nvSpPr>
+        <p:spPr/>
+        <p:txBody>
+          <a:bodyPr/>
+          <a:lstStyle/>
+          <a:p>
+            <a:r>
+              <a:rPr lang="en-US" dirty="0" smtClean="0"/>
+              <a:t>User study: results</a:t>
+            </a:r>
+            <a:endParaRPr lang="en-US" dirty="0"/>
+          </a:p>
+        </p:txBody>
+      </p:sp>
+      <p:pic>
+        <p:nvPicPr>
+          <p:cNvPr id="5122" name="Picture 2" descr="D:\tijn\rdevel\hierCols\presentation\user_study_results_mod-2.png"/>
+          <p:cNvPicPr>
+            <a:picLocks noChangeAspect="1" noChangeArrowheads="1"/>
+          </p:cNvPicPr>
+          <p:nvPr/>
+        </p:nvPicPr>
+        <p:blipFill>
+          <a:blip r:embed="rId2">
+            <a:extLst>
+              <a:ext uri="{28A0092B-C50C-407E-A947-70E740481C1C}">
+                <a14:useLocalDpi xmlns:a14="http://schemas.microsoft.com/office/drawing/2010/main" val="0"/>
+              </a:ext>
+            </a:extLst>
+          </a:blip>
+          <a:srcRect/>
+          <a:stretch>
+            <a:fillRect/>
+          </a:stretch>
+        </p:blipFill>
+        <p:spPr bwMode="auto">
+          <a:xfrm>
+            <a:off x="1370011" y="1676400"/>
+            <a:ext cx="9523413" cy="4762500"/>
+          </a:xfrm>
+          <a:prstGeom prst="rect">
+            <a:avLst/>
+          </a:prstGeom>
+          <a:noFill/>
+          <a:extLst>
+            <a:ext uri="{909E8E84-426E-40DD-AFC4-6F175D3DCCD1}">
+              <a14:hiddenFill xmlns:a14="http://schemas.microsoft.com/office/drawing/2010/main">
+                <a:solidFill>
+                  <a:srgbClr val="FFFFFF"/>
+                </a:solidFill>
+              </a14:hiddenFill>
+            </a:ext>
+          </a:extLst>
+        </p:spPr>
+      </p:pic>
+    </p:spTree>
+    <p:extLst>
+      <p:ext uri="{BB962C8B-B14F-4D97-AF65-F5344CB8AC3E}">
+        <p14:creationId xmlns:p14="http://schemas.microsoft.com/office/powerpoint/2010/main" val="3850718881"/>
+      </p:ext>
+    </p:extLst>
+  </p:cSld>
+  <p:clrMapOvr>
+    <a:masterClrMapping/>
+  </p:clrMapOvr>
+  <p:timing>
+    <p:tnLst>
+      <p:par>
         <p:cTn id="1" dur="indefinite" restart="never" nodeType="tmRoot"/>
+      </p:par>
+    </p:tnLst>
+  </p:timing>
+</p:sld>
+</file>
+
+<file path=ppt/slides/slide21.xml><?xml version="1.0" encoding="utf-8"?>
+<p:sld xmlns:a="http://schemas.openxmlformats.org/drawingml/2006/main" xmlns:r="http://schemas.openxmlformats.org/officeDocument/2006/relationships" xmlns:p="http://schemas.openxmlformats.org/presentationml/2006/main">
+  <p:cSld>
+    <p:spTree>
+      <p:nvGrpSpPr>
+        <p:cNvPr id="1" name=""/>
+        <p:cNvGrpSpPr/>
+        <p:nvPr/>
+      </p:nvGrpSpPr>
+      <p:grpSpPr>
+        <a:xfrm>
+          <a:off x="0" y="0"/>
+          <a:ext cx="0" cy="0"/>
+          <a:chOff x="0" y="0"/>
+          <a:chExt cx="0" cy="0"/>
+        </a:xfrm>
+      </p:grpSpPr>
+      <p:sp>
+        <p:nvSpPr>
+          <p:cNvPr id="2" name="Titel 1"/>
+          <p:cNvSpPr>
+            <a:spLocks noGrp="1"/>
+          </p:cNvSpPr>
+          <p:nvPr>
+            <p:ph type="title"/>
+          </p:nvPr>
+        </p:nvSpPr>
+        <p:spPr/>
+        <p:txBody>
+          <a:bodyPr/>
+          <a:lstStyle/>
+          <a:p>
+            <a:r>
+              <a:rPr lang="en-US" dirty="0" smtClean="0"/>
+              <a:t>Final remarks</a:t>
+            </a:r>
+            <a:endParaRPr lang="en-US" dirty="0"/>
+          </a:p>
+        </p:txBody>
+      </p:sp>
+      <p:sp>
+        <p:nvSpPr>
+          <p:cNvPr id="3" name="Tijdelijke aanduiding voor inhoud 2"/>
+          <p:cNvSpPr>
+            <a:spLocks noGrp="1"/>
+          </p:cNvSpPr>
+          <p:nvPr>
+            <p:ph idx="1"/>
+          </p:nvPr>
+        </p:nvSpPr>
+        <p:spPr/>
+        <p:txBody>
+          <a:bodyPr>
+            <a:normAutofit lnSpcReduction="10000"/>
+          </a:bodyPr>
+          <a:lstStyle/>
+          <a:p>
+            <a:r>
+              <a:rPr lang="en-US" sz="3600" dirty="0" smtClean="0"/>
+              <a:t>Tree Colors can improve visualizations of tree-structured data.</a:t>
+            </a:r>
+          </a:p>
+          <a:p>
+            <a:r>
+              <a:rPr lang="en-US" sz="3600" dirty="0" smtClean="0"/>
+              <a:t>Hue allocation designed for siblings that are ordered linearly or radially. More research needed on 2d visualizations (e.g. </a:t>
+            </a:r>
+            <a:r>
+              <a:rPr lang="en-US" sz="3600" dirty="0" err="1" smtClean="0"/>
+              <a:t>treemap</a:t>
+            </a:r>
+            <a:r>
+              <a:rPr lang="en-US" sz="3600" dirty="0" smtClean="0"/>
+              <a:t>).</a:t>
+            </a:r>
+          </a:p>
+          <a:p>
+            <a:r>
+              <a:rPr lang="en-US" sz="3600" dirty="0" smtClean="0"/>
+              <a:t>Not suited for people with color vision deficiency.</a:t>
+            </a:r>
+          </a:p>
+          <a:p>
+            <a:r>
+              <a:rPr lang="en-US" sz="3600" dirty="0" smtClean="0"/>
+              <a:t>Tree Colors can be applied to large hierarchical datasets. However, the effectiveness is unknown.</a:t>
+            </a:r>
+          </a:p>
+        </p:txBody>
+      </p:sp>
+    </p:spTree>
+    <p:extLst>
+      <p:ext uri="{BB962C8B-B14F-4D97-AF65-F5344CB8AC3E}">
+        <p14:creationId xmlns:p14="http://schemas.microsoft.com/office/powerpoint/2010/main" val="1092190846"/>
+      </p:ext>
+    </p:extLst>
+  </p:cSld>
+  <p:clrMapOvr>
+    <a:masterClrMapping/>
+  </p:clrMapOvr>
+  <p:timing>
+    <p:tnLst>
+      <p:par>
+        <p:cTn id="1" dur="indefinite" restart="never" nodeType="tmRoot">
+          <p:childTnLst>
+            <p:seq concurrent="1" nextAc="seek">
+              <p:cTn id="2" dur="indefinite" nodeType="mainSeq">
+                <p:childTnLst>
+                  <p:par>
+                    <p:cTn id="3" fill="hold">
+                      <p:stCondLst>
+                        <p:cond delay="indefinite"/>
+                      </p:stCondLst>
+                      <p:childTnLst>
+                        <p:par>
+                          <p:cTn id="4" fill="hold">
+                            <p:stCondLst>
+                              <p:cond delay="0"/>
+                            </p:stCondLst>
+                            <p:childTnLst>
+                              <p:par>
+                                <p:cTn id="5" presetID="1" presetClass="entr" presetSubtype="0" fill="hold" nodeType="clickEffect">
+                                  <p:stCondLst>
+                                    <p:cond delay="0"/>
+                                  </p:stCondLst>
+                                  <p:childTnLst>
+                                    <p:set>
+                                      <p:cBhvr>
+                                        <p:cTn id="6" dur="1" fill="hold">
+                                          <p:stCondLst>
+                                            <p:cond delay="0"/>
+                                          </p:stCondLst>
+                                        </p:cTn>
+                                        <p:tgtEl>
+                                          <p:spTgt spid="3">
+                                            <p:txEl>
+                                              <p:pRg st="0" end="0"/>
+                                            </p:txEl>
+                                          </p:spTgt>
+                                        </p:tgtEl>
+                                        <p:attrNameLst>
+                                          <p:attrName>style.visibility</p:attrName>
+                                        </p:attrNameLst>
+                                      </p:cBhvr>
+                                      <p:to>
+                                        <p:strVal val="visible"/>
+                                      </p:to>
+                                    </p:set>
+                                  </p:childTnLst>
+                                </p:cTn>
+                              </p:par>
+                            </p:childTnLst>
+                          </p:cTn>
+                        </p:par>
+                      </p:childTnLst>
+                    </p:cTn>
+                  </p:par>
+                  <p:par>
+                    <p:cTn id="7" fill="hold">
+                      <p:stCondLst>
+                        <p:cond delay="indefinite"/>
+                      </p:stCondLst>
+                      <p:childTnLst>
+                        <p:par>
+                          <p:cTn id="8" fill="hold">
+                            <p:stCondLst>
+                              <p:cond delay="0"/>
+                            </p:stCondLst>
+                            <p:childTnLst>
+                              <p:par>
+                                <p:cTn id="9" presetID="1" presetClass="entr" presetSubtype="0" fill="hold" nodeType="clickEffect">
+                                  <p:stCondLst>
+                                    <p:cond delay="0"/>
+                                  </p:stCondLst>
+                                  <p:childTnLst>
+                                    <p:set>
+                                      <p:cBhvr>
+                                        <p:cTn id="10" dur="1" fill="hold">
+                                          <p:stCondLst>
+                                            <p:cond delay="0"/>
+                                          </p:stCondLst>
+                                        </p:cTn>
+                                        <p:tgtEl>
+                                          <p:spTgt spid="3">
+                                            <p:txEl>
+                                              <p:pRg st="1" end="1"/>
+                                            </p:txEl>
+                                          </p:spTgt>
+                                        </p:tgtEl>
+                                        <p:attrNameLst>
+                                          <p:attrName>style.visibility</p:attrName>
+                                        </p:attrNameLst>
+                                      </p:cBhvr>
+                                      <p:to>
+                                        <p:strVal val="visible"/>
+                                      </p:to>
+                                    </p:set>
+                                  </p:childTnLst>
+                                </p:cTn>
+                              </p:par>
+                            </p:childTnLst>
+                          </p:cTn>
+                        </p:par>
+                      </p:childTnLst>
+                    </p:cTn>
+                  </p:par>
+                  <p:par>
+                    <p:cTn id="11" fill="hold">
+                      <p:stCondLst>
+                        <p:cond delay="indefinite"/>
+                      </p:stCondLst>
+                      <p:childTnLst>
+                        <p:par>
+                          <p:cTn id="12" fill="hold">
+                            <p:stCondLst>
+                              <p:cond delay="0"/>
+                            </p:stCondLst>
+                            <p:childTnLst>
+                              <p:par>
+                                <p:cTn id="13" presetID="1" presetClass="entr" presetSubtype="0" fill="hold" nodeType="clickEffect">
+                                  <p:stCondLst>
+                                    <p:cond delay="0"/>
+                                  </p:stCondLst>
+                                  <p:childTnLst>
+                                    <p:set>
+                                      <p:cBhvr>
+                                        <p:cTn id="14" dur="1" fill="hold">
+                                          <p:stCondLst>
+                                            <p:cond delay="0"/>
+                                          </p:stCondLst>
+                                        </p:cTn>
+                                        <p:tgtEl>
+                                          <p:spTgt spid="3">
+                                            <p:txEl>
+                                              <p:pRg st="2" end="2"/>
+                                            </p:txEl>
+                                          </p:spTgt>
+                                        </p:tgtEl>
+                                        <p:attrNameLst>
+                                          <p:attrName>style.visibility</p:attrName>
+                                        </p:attrNameLst>
+                                      </p:cBhvr>
+                                      <p:to>
+                                        <p:strVal val="visible"/>
+                                      </p:to>
+                                    </p:set>
+                                  </p:childTnLst>
+                                </p:cTn>
+                              </p:par>
+                            </p:childTnLst>
+                          </p:cTn>
+                        </p:par>
+                      </p:childTnLst>
+                    </p:cTn>
+                  </p:par>
+                  <p:par>
+                    <p:cTn id="15" fill="hold">
+                      <p:stCondLst>
+                        <p:cond delay="indefinite"/>
+                      </p:stCondLst>
+                      <p:childTnLst>
+                        <p:par>
+                          <p:cTn id="16" fill="hold">
+                            <p:stCondLst>
+                              <p:cond delay="0"/>
+                            </p:stCondLst>
+                            <p:childTnLst>
+                              <p:par>
+                                <p:cTn id="17" presetID="1" presetClass="entr" presetSubtype="0" fill="hold" nodeType="clickEffect">
+                                  <p:stCondLst>
+                                    <p:cond delay="0"/>
+                                  </p:stCondLst>
+                                  <p:childTnLst>
+                                    <p:set>
+                                      <p:cBhvr>
+                                        <p:cTn id="18" dur="1" fill="hold">
+                                          <p:stCondLst>
+                                            <p:cond delay="0"/>
+                                          </p:stCondLst>
+                                        </p:cTn>
+                                        <p:tgtEl>
+                                          <p:spTgt spid="3">
+                                            <p:txEl>
+                                              <p:pRg st="3" end="3"/>
+                                            </p:txEl>
+                                          </p:spTgt>
+                                        </p:tgtEl>
+                                        <p:attrNameLst>
+                                          <p:attrName>style.visibility</p:attrName>
+                                        </p:attrNameLst>
+                                      </p:cBhvr>
+                                      <p:to>
+                                        <p:strVal val="visible"/>
+                                      </p:to>
+                                    </p:set>
+                                  </p:childTnLst>
+                                </p:cTn>
+                              </p:par>
+                            </p:childTnLst>
+                          </p:cTn>
+                        </p:par>
+                      </p:childTnLst>
+                    </p:cTn>
+                  </p:par>
+                </p:childTnLst>
+              </p:cTn>
+              <p:prevCondLst>
+                <p:cond evt="onPrev" delay="0">
+                  <p:tgtEl>
+                    <p:sldTgt/>
+                  </p:tgtEl>
+                </p:cond>
+              </p:prevCondLst>
+              <p:nextCondLst>
+                <p:cond evt="onNext" delay="0">
+                  <p:tgtEl>
+                    <p:sldTgt/>
+                  </p:tgtEl>
+                </p:cond>
+              </p:nextCondLst>
+            </p:seq>
+          </p:childTnLst>
+        </p:cTn>
       </p:par>
     </p:tnLst>
   </p:timing>
@@ -5648,7 +8169,11 @@
           <a:p>
             <a:r>
               <a:rPr lang="en-US" dirty="0" smtClean="0"/>
-              <a:t>Tree Colors design</a:t>
+              <a:t>Tree </a:t>
+            </a:r>
+            <a:r>
+              <a:rPr lang="en-US" dirty="0" smtClean="0"/>
+              <a:t>Colors</a:t>
             </a:r>
             <a:endParaRPr lang="en-US" dirty="0"/>
           </a:p>
@@ -5867,7 +8392,11 @@
           <a:p>
             <a:r>
               <a:rPr lang="en-US" dirty="0" smtClean="0"/>
-              <a:t>Tree Colors design</a:t>
+              <a:t>Tree </a:t>
+            </a:r>
+            <a:r>
+              <a:rPr lang="en-US" dirty="0" smtClean="0"/>
+              <a:t>Colors</a:t>
             </a:r>
             <a:endParaRPr lang="en-US" dirty="0"/>
           </a:p>
@@ -6716,8 +9245,8 @@
         </p:nvSpPr>
         <p:spPr>
           <a:xfrm>
-            <a:off x="227012" y="4559753"/>
-            <a:ext cx="4428448" cy="1600200"/>
+            <a:off x="303212" y="5638800"/>
+            <a:ext cx="5257800" cy="990599"/>
           </a:xfrm>
           <a:prstGeom prst="roundRect">
             <a:avLst/>
@@ -6755,7 +9284,39 @@
                   <a:schemeClr val="tx1"/>
                 </a:solidFill>
               </a:rPr>
-              <a:t>Hue range for A reduced by fraction </a:t>
+              <a:t>Hue </a:t>
+            </a:r>
+            <a:r>
+              <a:rPr lang="en-US" dirty="0" smtClean="0">
+                <a:solidFill>
+                  <a:schemeClr val="tx1"/>
+                </a:solidFill>
+              </a:rPr>
+              <a:t>ranges </a:t>
+            </a:r>
+            <a:r>
+              <a:rPr lang="en-US" dirty="0" smtClean="0">
+                <a:solidFill>
+                  <a:schemeClr val="tx1"/>
+                </a:solidFill>
+              </a:rPr>
+              <a:t>reduced by </a:t>
+            </a:r>
+            <a:endParaRPr lang="en-US" dirty="0" smtClean="0">
+              <a:solidFill>
+                <a:schemeClr val="tx1"/>
+              </a:solidFill>
+            </a:endParaRPr>
+          </a:p>
+          <a:p>
+            <a:pPr algn="ctr"/>
+            <a:r>
+              <a:rPr lang="en-US" dirty="0" smtClean="0">
+                <a:solidFill>
+                  <a:schemeClr val="tx1"/>
+                </a:solidFill>
+              </a:rPr>
+              <a:t>fraction </a:t>
             </a:r>
             <a:r>
               <a:rPr lang="en-US" i="1" dirty="0" smtClean="0">
@@ -6771,355 +9332,13 @@
                   <a:schemeClr val="tx1"/>
                 </a:solidFill>
               </a:rPr>
-              <a:t>=0.75:</a:t>
-            </a:r>
-          </a:p>
-          <a:p>
-            <a:pPr algn="ctr"/>
+              <a:t>=0.75</a:t>
+            </a:r>
             <a:endParaRPr lang="en-US" dirty="0" smtClean="0">
               <a:solidFill>
                 <a:schemeClr val="tx1"/>
               </a:solidFill>
             </a:endParaRPr>
-          </a:p>
-          <a:p>
-            <a:pPr algn="ctr"/>
-            <a:r>
-              <a:rPr lang="en-US" dirty="0" smtClean="0">
-                <a:solidFill>
-                  <a:schemeClr val="tx1"/>
-                </a:solidFill>
-              </a:rPr>
-              <a:t>120 degrees * 0.75 = 90 degrees</a:t>
-            </a:r>
-            <a:endParaRPr lang="en-US" dirty="0">
-              <a:solidFill>
-                <a:schemeClr val="tx1"/>
-              </a:solidFill>
-            </a:endParaRPr>
-          </a:p>
-        </p:txBody>
-      </p:sp>
-      <p:cxnSp>
-        <p:nvCxnSpPr>
-          <p:cNvPr id="9" name="Rechte verbindingslijn met pijl 8"/>
-          <p:cNvCxnSpPr>
-            <a:stCxn id="4" idx="0"/>
-          </p:cNvCxnSpPr>
-          <p:nvPr/>
-        </p:nvCxnSpPr>
-        <p:spPr>
-          <a:xfrm flipV="1">
-            <a:off x="2441236" y="3028950"/>
-            <a:ext cx="1721189" cy="1530803"/>
-          </a:xfrm>
-          <a:prstGeom prst="straightConnector1">
-            <a:avLst/>
-          </a:prstGeom>
-          <a:ln w="25400">
-            <a:tailEnd type="arrow"/>
-          </a:ln>
-        </p:spPr>
-        <p:style>
-          <a:lnRef idx="1">
-            <a:schemeClr val="accent1"/>
-          </a:lnRef>
-          <a:fillRef idx="0">
-            <a:schemeClr val="accent1"/>
-          </a:fillRef>
-          <a:effectRef idx="0">
-            <a:schemeClr val="accent1"/>
-          </a:effectRef>
-          <a:fontRef idx="minor">
-            <a:schemeClr val="tx1"/>
-          </a:fontRef>
-        </p:style>
-      </p:cxnSp>
-      <p:sp>
-        <p:nvSpPr>
-          <p:cNvPr id="22" name="Ovaal 21"/>
-          <p:cNvSpPr/>
-          <p:nvPr/>
-        </p:nvSpPr>
-        <p:spPr>
-          <a:xfrm>
-            <a:off x="2894012" y="1031421"/>
-            <a:ext cx="404812" cy="381000"/>
-          </a:xfrm>
-          <a:prstGeom prst="ellipse">
-            <a:avLst/>
-          </a:prstGeom>
-          <a:noFill/>
-          <a:ln>
-            <a:solidFill>
-              <a:schemeClr val="bg1">
-                <a:lumMod val="50000"/>
-              </a:schemeClr>
-            </a:solidFill>
-          </a:ln>
-        </p:spPr>
-        <p:style>
-          <a:lnRef idx="2">
-            <a:schemeClr val="accent1">
-              <a:shade val="50000"/>
-            </a:schemeClr>
-          </a:lnRef>
-          <a:fillRef idx="1">
-            <a:schemeClr val="accent1"/>
-          </a:fillRef>
-          <a:effectRef idx="0">
-            <a:schemeClr val="accent1"/>
-          </a:effectRef>
-          <a:fontRef idx="minor">
-            <a:schemeClr val="lt1"/>
-          </a:fontRef>
-        </p:style>
-        <p:txBody>
-          <a:bodyPr rtlCol="0" anchor="ctr"/>
-          <a:lstStyle/>
-          <a:p>
-            <a:pPr algn="ctr"/>
-            <a:endParaRPr lang="en-US"/>
-          </a:p>
-        </p:txBody>
-      </p:sp>
-      <p:sp>
-        <p:nvSpPr>
-          <p:cNvPr id="25" name="Ovaal 24"/>
-          <p:cNvSpPr/>
-          <p:nvPr/>
-        </p:nvSpPr>
-        <p:spPr>
-          <a:xfrm>
-            <a:off x="4973183" y="4629149"/>
-            <a:ext cx="404812" cy="381000"/>
-          </a:xfrm>
-          <a:prstGeom prst="ellipse">
-            <a:avLst/>
-          </a:prstGeom>
-          <a:noFill/>
-          <a:ln>
-            <a:solidFill>
-              <a:schemeClr val="bg1">
-                <a:lumMod val="50000"/>
-              </a:schemeClr>
-            </a:solidFill>
-          </a:ln>
-        </p:spPr>
-        <p:style>
-          <a:lnRef idx="2">
-            <a:schemeClr val="accent1">
-              <a:shade val="50000"/>
-            </a:schemeClr>
-          </a:lnRef>
-          <a:fillRef idx="1">
-            <a:schemeClr val="accent1"/>
-          </a:fillRef>
-          <a:effectRef idx="0">
-            <a:schemeClr val="accent1"/>
-          </a:effectRef>
-          <a:fontRef idx="minor">
-            <a:schemeClr val="lt1"/>
-          </a:fontRef>
-        </p:style>
-        <p:txBody>
-          <a:bodyPr rtlCol="0" anchor="ctr"/>
-          <a:lstStyle/>
-          <a:p>
-            <a:pPr algn="ctr"/>
-            <a:endParaRPr lang="en-US"/>
-          </a:p>
-        </p:txBody>
-      </p:sp>
-      <p:sp>
-        <p:nvSpPr>
-          <p:cNvPr id="26" name="Ovaal 25"/>
-          <p:cNvSpPr/>
-          <p:nvPr/>
-        </p:nvSpPr>
-        <p:spPr>
-          <a:xfrm>
-            <a:off x="360362" y="5701391"/>
-            <a:ext cx="609600" cy="381000"/>
-          </a:xfrm>
-          <a:prstGeom prst="ellipse">
-            <a:avLst/>
-          </a:prstGeom>
-          <a:noFill/>
-          <a:ln>
-            <a:solidFill>
-              <a:schemeClr val="bg1">
-                <a:lumMod val="50000"/>
-              </a:schemeClr>
-            </a:solidFill>
-          </a:ln>
-        </p:spPr>
-        <p:style>
-          <a:lnRef idx="2">
-            <a:schemeClr val="accent1">
-              <a:shade val="50000"/>
-            </a:schemeClr>
-          </a:lnRef>
-          <a:fillRef idx="1">
-            <a:schemeClr val="accent1"/>
-          </a:fillRef>
-          <a:effectRef idx="0">
-            <a:schemeClr val="accent1"/>
-          </a:effectRef>
-          <a:fontRef idx="minor">
-            <a:schemeClr val="lt1"/>
-          </a:fontRef>
-        </p:style>
-        <p:txBody>
-          <a:bodyPr rtlCol="0" anchor="ctr"/>
-          <a:lstStyle/>
-          <a:p>
-            <a:pPr algn="ctr"/>
-            <a:endParaRPr lang="en-US"/>
-          </a:p>
-        </p:txBody>
-      </p:sp>
-      <p:sp>
-        <p:nvSpPr>
-          <p:cNvPr id="23" name="Rechthoek 22"/>
-          <p:cNvSpPr/>
-          <p:nvPr/>
-        </p:nvSpPr>
-        <p:spPr>
-          <a:xfrm>
-            <a:off x="3575502" y="1148443"/>
-            <a:ext cx="309110" cy="269421"/>
-          </a:xfrm>
-          <a:prstGeom prst="rect">
-            <a:avLst/>
-          </a:prstGeom>
-          <a:noFill/>
-          <a:ln>
-            <a:solidFill>
-              <a:schemeClr val="bg1">
-                <a:lumMod val="50000"/>
-              </a:schemeClr>
-            </a:solidFill>
-          </a:ln>
-        </p:spPr>
-        <p:style>
-          <a:lnRef idx="2">
-            <a:schemeClr val="accent1">
-              <a:shade val="50000"/>
-            </a:schemeClr>
-          </a:lnRef>
-          <a:fillRef idx="1">
-            <a:schemeClr val="accent1"/>
-          </a:fillRef>
-          <a:effectRef idx="0">
-            <a:schemeClr val="accent1"/>
-          </a:effectRef>
-          <a:fontRef idx="minor">
-            <a:schemeClr val="lt1"/>
-          </a:fontRef>
-        </p:style>
-        <p:txBody>
-          <a:bodyPr rtlCol="0" anchor="ctr"/>
-          <a:lstStyle/>
-          <a:p>
-            <a:pPr algn="ctr"/>
-            <a:endParaRPr lang="en-US"/>
-          </a:p>
-        </p:txBody>
-      </p:sp>
-      <p:sp>
-        <p:nvSpPr>
-          <p:cNvPr id="28" name="Rechthoek 27"/>
-          <p:cNvSpPr/>
-          <p:nvPr/>
-        </p:nvSpPr>
-        <p:spPr>
-          <a:xfrm>
-            <a:off x="5248048" y="4114800"/>
-            <a:ext cx="381000" cy="269421"/>
-          </a:xfrm>
-          <a:prstGeom prst="rect">
-            <a:avLst/>
-          </a:prstGeom>
-          <a:noFill/>
-          <a:ln>
-            <a:solidFill>
-              <a:schemeClr val="bg1">
-                <a:lumMod val="50000"/>
-              </a:schemeClr>
-            </a:solidFill>
-          </a:ln>
-        </p:spPr>
-        <p:style>
-          <a:lnRef idx="2">
-            <a:schemeClr val="accent1">
-              <a:shade val="50000"/>
-            </a:schemeClr>
-          </a:lnRef>
-          <a:fillRef idx="1">
-            <a:schemeClr val="accent1"/>
-          </a:fillRef>
-          <a:effectRef idx="0">
-            <a:schemeClr val="accent1"/>
-          </a:effectRef>
-          <a:fontRef idx="minor">
-            <a:schemeClr val="lt1"/>
-          </a:fontRef>
-        </p:style>
-        <p:txBody>
-          <a:bodyPr rtlCol="0" anchor="ctr"/>
-          <a:lstStyle/>
-          <a:p>
-            <a:pPr algn="ctr"/>
-            <a:endParaRPr lang="en-US"/>
-          </a:p>
-        </p:txBody>
-      </p:sp>
-      <p:sp>
-        <p:nvSpPr>
-          <p:cNvPr id="29" name="Rechthoek 28"/>
-          <p:cNvSpPr/>
-          <p:nvPr/>
-        </p:nvSpPr>
-        <p:spPr>
-          <a:xfrm>
-            <a:off x="3030876" y="5769428"/>
-            <a:ext cx="381000" cy="269421"/>
-          </a:xfrm>
-          <a:prstGeom prst="rect">
-            <a:avLst/>
-          </a:prstGeom>
-          <a:noFill/>
-          <a:ln>
-            <a:solidFill>
-              <a:schemeClr val="bg1">
-                <a:lumMod val="50000"/>
-              </a:schemeClr>
-            </a:solidFill>
-          </a:ln>
-        </p:spPr>
-        <p:style>
-          <a:lnRef idx="2">
-            <a:schemeClr val="accent1">
-              <a:shade val="50000"/>
-            </a:schemeClr>
-          </a:lnRef>
-          <a:fillRef idx="1">
-            <a:schemeClr val="accent1"/>
-          </a:fillRef>
-          <a:effectRef idx="0">
-            <a:schemeClr val="accent1"/>
-          </a:effectRef>
-          <a:fontRef idx="minor">
-            <a:schemeClr val="lt1"/>
-          </a:fontRef>
-        </p:style>
-        <p:txBody>
-          <a:bodyPr rtlCol="0" anchor="ctr"/>
-          <a:lstStyle/>
-          <a:p>
-            <a:pPr algn="ctr"/>
-            <a:endParaRPr lang="en-US"/>
           </a:p>
         </p:txBody>
       </p:sp>
@@ -7222,33 +9441,15 @@
                                   </p:childTnLst>
                                 </p:cTn>
                               </p:par>
-                            </p:childTnLst>
-                          </p:cTn>
-                        </p:par>
-                      </p:childTnLst>
-                    </p:cTn>
-                  </p:par>
-                  <p:par>
-                    <p:cTn id="9" fill="hold">
-                      <p:stCondLst>
-                        <p:cond delay="indefinite"/>
-                      </p:stCondLst>
-                      <p:childTnLst>
-                        <p:par>
-                          <p:cTn id="10" fill="hold">
-                            <p:stCondLst>
-                              <p:cond delay="0"/>
-                            </p:stCondLst>
-                            <p:childTnLst>
                               <p:par>
-                                <p:cTn id="11" presetID="1" presetClass="entr" presetSubtype="0" fill="hold" nodeType="clickEffect">
+                                <p:cTn id="9" presetID="1" presetClass="entr" presetSubtype="0" fill="hold" nodeType="withEffect">
                                   <p:stCondLst>
                                     <p:cond delay="0"/>
                                   </p:stCondLst>
                                   <p:childTnLst>
                                     <p:set>
                                       <p:cBhvr>
-                                        <p:cTn id="12" dur="1" fill="hold">
+                                        <p:cTn id="10" dur="1" fill="hold">
                                           <p:stCondLst>
                                             <p:cond delay="0"/>
                                           </p:stCondLst>
@@ -7256,7 +9457,7 @@
                                         <p:tgtEl>
                                           <p:spTgt spid="4">
                                             <p:txEl>
-                                              <p:pRg st="2" end="2"/>
+                                              <p:pRg st="1" end="1"/>
                                             </p:txEl>
                                           </p:spTgt>
                                         </p:tgtEl>
@@ -7278,224 +9479,26 @@
                     </p:cTn>
                   </p:par>
                   <p:par>
-                    <p:cTn id="13" fill="hold">
+                    <p:cTn id="11" fill="hold">
                       <p:stCondLst>
                         <p:cond delay="indefinite"/>
                       </p:stCondLst>
                       <p:childTnLst>
                         <p:par>
-                          <p:cTn id="14" fill="hold">
+                          <p:cTn id="12" fill="hold">
                             <p:stCondLst>
                               <p:cond delay="0"/>
                             </p:stCondLst>
                             <p:childTnLst>
                               <p:par>
-                                <p:cTn id="15" presetID="1" presetClass="entr" presetSubtype="0" fill="hold" grpId="0" nodeType="clickEffect">
+                                <p:cTn id="13" presetID="1" presetClass="exit" presetSubtype="0" fill="hold" grpId="1" nodeType="clickEffect">
                                   <p:stCondLst>
                                     <p:cond delay="0"/>
                                   </p:stCondLst>
                                   <p:childTnLst>
                                     <p:set>
                                       <p:cBhvr>
-                                        <p:cTn id="16" dur="1" fill="hold">
-                                          <p:stCondLst>
-                                            <p:cond delay="0"/>
-                                          </p:stCondLst>
-                                        </p:cTn>
-                                        <p:tgtEl>
-                                          <p:spTgt spid="26"/>
-                                        </p:tgtEl>
-                                        <p:attrNameLst>
-                                          <p:attrName>style.visibility</p:attrName>
-                                        </p:attrNameLst>
-                                      </p:cBhvr>
-                                      <p:to>
-                                        <p:strVal val="visible"/>
-                                      </p:to>
-                                    </p:set>
-                                  </p:childTnLst>
-                                </p:cTn>
-                              </p:par>
-                              <p:par>
-                                <p:cTn id="17" presetID="1" presetClass="entr" presetSubtype="0" fill="hold" grpId="0" nodeType="withEffect">
-                                  <p:stCondLst>
-                                    <p:cond delay="0"/>
-                                  </p:stCondLst>
-                                  <p:childTnLst>
-                                    <p:set>
-                                      <p:cBhvr>
-                                        <p:cTn id="18" dur="1" fill="hold">
-                                          <p:stCondLst>
-                                            <p:cond delay="0"/>
-                                          </p:stCondLst>
-                                        </p:cTn>
-                                        <p:tgtEl>
-                                          <p:spTgt spid="25"/>
-                                        </p:tgtEl>
-                                        <p:attrNameLst>
-                                          <p:attrName>style.visibility</p:attrName>
-                                        </p:attrNameLst>
-                                      </p:cBhvr>
-                                      <p:to>
-                                        <p:strVal val="visible"/>
-                                      </p:to>
-                                    </p:set>
-                                  </p:childTnLst>
-                                </p:cTn>
-                              </p:par>
-                              <p:par>
-                                <p:cTn id="19" presetID="1" presetClass="entr" presetSubtype="0" fill="hold" grpId="0" nodeType="withEffect">
-                                  <p:stCondLst>
-                                    <p:cond delay="0"/>
-                                  </p:stCondLst>
-                                  <p:childTnLst>
-                                    <p:set>
-                                      <p:cBhvr>
-                                        <p:cTn id="20" dur="1" fill="hold">
-                                          <p:stCondLst>
-                                            <p:cond delay="0"/>
-                                          </p:stCondLst>
-                                        </p:cTn>
-                                        <p:tgtEl>
-                                          <p:spTgt spid="22"/>
-                                        </p:tgtEl>
-                                        <p:attrNameLst>
-                                          <p:attrName>style.visibility</p:attrName>
-                                        </p:attrNameLst>
-                                      </p:cBhvr>
-                                      <p:to>
-                                        <p:strVal val="visible"/>
-                                      </p:to>
-                                    </p:set>
-                                  </p:childTnLst>
-                                </p:cTn>
-                              </p:par>
-                            </p:childTnLst>
-                          </p:cTn>
-                        </p:par>
-                      </p:childTnLst>
-                    </p:cTn>
-                  </p:par>
-                  <p:par>
-                    <p:cTn id="21" fill="hold">
-                      <p:stCondLst>
-                        <p:cond delay="indefinite"/>
-                      </p:stCondLst>
-                      <p:childTnLst>
-                        <p:par>
-                          <p:cTn id="22" fill="hold">
-                            <p:stCondLst>
-                              <p:cond delay="0"/>
-                            </p:stCondLst>
-                            <p:childTnLst>
-                              <p:par>
-                                <p:cTn id="23" presetID="1" presetClass="entr" presetSubtype="0" fill="hold" grpId="0" nodeType="clickEffect">
-                                  <p:stCondLst>
-                                    <p:cond delay="0"/>
-                                  </p:stCondLst>
-                                  <p:childTnLst>
-                                    <p:set>
-                                      <p:cBhvr>
-                                        <p:cTn id="24" dur="1" fill="hold">
-                                          <p:stCondLst>
-                                            <p:cond delay="0"/>
-                                          </p:stCondLst>
-                                        </p:cTn>
-                                        <p:tgtEl>
-                                          <p:spTgt spid="29"/>
-                                        </p:tgtEl>
-                                        <p:attrNameLst>
-                                          <p:attrName>style.visibility</p:attrName>
-                                        </p:attrNameLst>
-                                      </p:cBhvr>
-                                      <p:to>
-                                        <p:strVal val="visible"/>
-                                      </p:to>
-                                    </p:set>
-                                  </p:childTnLst>
-                                </p:cTn>
-                              </p:par>
-                              <p:par>
-                                <p:cTn id="25" presetID="1" presetClass="entr" presetSubtype="0" fill="hold" grpId="0" nodeType="withEffect">
-                                  <p:stCondLst>
-                                    <p:cond delay="0"/>
-                                  </p:stCondLst>
-                                  <p:childTnLst>
-                                    <p:set>
-                                      <p:cBhvr>
-                                        <p:cTn id="26" dur="1" fill="hold">
-                                          <p:stCondLst>
-                                            <p:cond delay="0"/>
-                                          </p:stCondLst>
-                                        </p:cTn>
-                                        <p:tgtEl>
-                                          <p:spTgt spid="23"/>
-                                        </p:tgtEl>
-                                        <p:attrNameLst>
-                                          <p:attrName>style.visibility</p:attrName>
-                                        </p:attrNameLst>
-                                      </p:cBhvr>
-                                      <p:to>
-                                        <p:strVal val="visible"/>
-                                      </p:to>
-                                    </p:set>
-                                  </p:childTnLst>
-                                </p:cTn>
-                              </p:par>
-                              <p:par>
-                                <p:cTn id="27" presetID="1" presetClass="entr" presetSubtype="0" fill="hold" grpId="0" nodeType="withEffect">
-                                  <p:stCondLst>
-                                    <p:cond delay="0"/>
-                                  </p:stCondLst>
-                                  <p:childTnLst>
-                                    <p:set>
-                                      <p:cBhvr>
-                                        <p:cTn id="28" dur="1" fill="hold">
-                                          <p:stCondLst>
-                                            <p:cond delay="0"/>
-                                          </p:stCondLst>
-                                        </p:cTn>
-                                        <p:tgtEl>
-                                          <p:spTgt spid="28"/>
-                                        </p:tgtEl>
-                                        <p:attrNameLst>
-                                          <p:attrName>style.visibility</p:attrName>
-                                        </p:attrNameLst>
-                                      </p:cBhvr>
-                                      <p:to>
-                                        <p:strVal val="visible"/>
-                                      </p:to>
-                                    </p:set>
-                                  </p:childTnLst>
-                                </p:cTn>
-                              </p:par>
-                            </p:childTnLst>
-                          </p:cTn>
-                        </p:par>
-                      </p:childTnLst>
-                    </p:cTn>
-                  </p:par>
-                  <p:par>
-                    <p:cTn id="29" fill="hold">
-                      <p:stCondLst>
-                        <p:cond delay="indefinite"/>
-                      </p:stCondLst>
-                      <p:childTnLst>
-                        <p:par>
-                          <p:cTn id="30" fill="hold">
-                            <p:stCondLst>
-                              <p:cond delay="0"/>
-                            </p:stCondLst>
-                            <p:childTnLst>
-                              <p:par>
-                                <p:cTn id="31" presetID="1" presetClass="exit" presetSubtype="0" fill="hold" grpId="1" nodeType="clickEffect">
-                                  <p:stCondLst>
-                                    <p:cond delay="0"/>
-                                  </p:stCondLst>
-                                  <p:childTnLst>
-                                    <p:set>
-                                      <p:cBhvr>
-                                        <p:cTn id="32" dur="1" fill="hold">
+                                        <p:cTn id="14" dur="1" fill="hold">
                                           <p:stCondLst>
                                             <p:cond delay="0"/>
                                           </p:stCondLst>
@@ -7519,14 +9522,14 @@
                                 </p:cTn>
                               </p:par>
                               <p:par>
-                                <p:cTn id="33" presetID="1" presetClass="exit" presetSubtype="0" fill="hold" grpId="1" nodeType="withEffect">
+                                <p:cTn id="15" presetID="1" presetClass="exit" presetSubtype="0" fill="hold" grpId="1" nodeType="withEffect">
                                   <p:stCondLst>
                                     <p:cond delay="0"/>
                                   </p:stCondLst>
                                   <p:childTnLst>
                                     <p:set>
                                       <p:cBhvr>
-                                        <p:cTn id="34" dur="1" fill="hold">
+                                        <p:cTn id="16" dur="1" fill="hold">
                                           <p:stCondLst>
                                             <p:cond delay="0"/>
                                           </p:stCondLst>
@@ -7534,7 +9537,7 @@
                                         <p:tgtEl>
                                           <p:spTgt spid="4">
                                             <p:txEl>
-                                              <p:pRg st="2" end="2"/>
+                                              <p:pRg st="1" end="1"/>
                                             </p:txEl>
                                           </p:spTgt>
                                         </p:tgtEl>
@@ -7550,14 +9553,14 @@
                                 </p:cTn>
                               </p:par>
                               <p:par>
-                                <p:cTn id="35" presetID="1" presetClass="exit" presetSubtype="0" fill="hold" grpId="1" nodeType="withEffect">
+                                <p:cTn id="17" presetID="1" presetClass="exit" presetSubtype="0" fill="hold" grpId="1" nodeType="withEffect">
                                   <p:stCondLst>
                                     <p:cond delay="0"/>
                                   </p:stCondLst>
                                   <p:childTnLst>
                                     <p:set>
                                       <p:cBhvr>
-                                        <p:cTn id="36" dur="1" fill="hold">
+                                        <p:cTn id="18" dur="1" fill="hold">
                                           <p:stCondLst>
                                             <p:cond delay="0"/>
                                           </p:stCondLst>
@@ -7566,168 +9569,6 @@
                                           <p:spTgt spid="4">
                                             <p:bg/>
                                           </p:spTgt>
-                                        </p:tgtEl>
-                                        <p:attrNameLst>
-                                          <p:attrName>style.visibility</p:attrName>
-                                        </p:attrNameLst>
-                                      </p:cBhvr>
-                                      <p:to>
-                                        <p:strVal val="hidden"/>
-                                      </p:to>
-                                    </p:set>
-                                  </p:childTnLst>
-                                </p:cTn>
-                              </p:par>
-                              <p:par>
-                                <p:cTn id="37" presetID="1" presetClass="exit" presetSubtype="0" fill="hold" grpId="1" nodeType="withEffect">
-                                  <p:stCondLst>
-                                    <p:cond delay="0"/>
-                                  </p:stCondLst>
-                                  <p:childTnLst>
-                                    <p:set>
-                                      <p:cBhvr>
-                                        <p:cTn id="38" dur="1" fill="hold">
-                                          <p:stCondLst>
-                                            <p:cond delay="0"/>
-                                          </p:stCondLst>
-                                        </p:cTn>
-                                        <p:tgtEl>
-                                          <p:spTgt spid="26"/>
-                                        </p:tgtEl>
-                                        <p:attrNameLst>
-                                          <p:attrName>style.visibility</p:attrName>
-                                        </p:attrNameLst>
-                                      </p:cBhvr>
-                                      <p:to>
-                                        <p:strVal val="hidden"/>
-                                      </p:to>
-                                    </p:set>
-                                  </p:childTnLst>
-                                </p:cTn>
-                              </p:par>
-                              <p:par>
-                                <p:cTn id="39" presetID="1" presetClass="exit" presetSubtype="0" fill="hold" grpId="1" nodeType="withEffect">
-                                  <p:stCondLst>
-                                    <p:cond delay="0"/>
-                                  </p:stCondLst>
-                                  <p:childTnLst>
-                                    <p:set>
-                                      <p:cBhvr>
-                                        <p:cTn id="40" dur="1" fill="hold">
-                                          <p:stCondLst>
-                                            <p:cond delay="0"/>
-                                          </p:stCondLst>
-                                        </p:cTn>
-                                        <p:tgtEl>
-                                          <p:spTgt spid="25"/>
-                                        </p:tgtEl>
-                                        <p:attrNameLst>
-                                          <p:attrName>style.visibility</p:attrName>
-                                        </p:attrNameLst>
-                                      </p:cBhvr>
-                                      <p:to>
-                                        <p:strVal val="hidden"/>
-                                      </p:to>
-                                    </p:set>
-                                  </p:childTnLst>
-                                </p:cTn>
-                              </p:par>
-                              <p:par>
-                                <p:cTn id="41" presetID="1" presetClass="exit" presetSubtype="0" fill="hold" grpId="1" nodeType="withEffect">
-                                  <p:stCondLst>
-                                    <p:cond delay="0"/>
-                                  </p:stCondLst>
-                                  <p:childTnLst>
-                                    <p:set>
-                                      <p:cBhvr>
-                                        <p:cTn id="42" dur="1" fill="hold">
-                                          <p:stCondLst>
-                                            <p:cond delay="0"/>
-                                          </p:stCondLst>
-                                        </p:cTn>
-                                        <p:tgtEl>
-                                          <p:spTgt spid="22"/>
-                                        </p:tgtEl>
-                                        <p:attrNameLst>
-                                          <p:attrName>style.visibility</p:attrName>
-                                        </p:attrNameLst>
-                                      </p:cBhvr>
-                                      <p:to>
-                                        <p:strVal val="hidden"/>
-                                      </p:to>
-                                    </p:set>
-                                  </p:childTnLst>
-                                </p:cTn>
-                              </p:par>
-                              <p:par>
-                                <p:cTn id="43" presetID="1" presetClass="exit" presetSubtype="0" fill="hold" grpId="1" nodeType="withEffect">
-                                  <p:stCondLst>
-                                    <p:cond delay="0"/>
-                                  </p:stCondLst>
-                                  <p:childTnLst>
-                                    <p:set>
-                                      <p:cBhvr>
-                                        <p:cTn id="44" dur="1" fill="hold">
-                                          <p:stCondLst>
-                                            <p:cond delay="0"/>
-                                          </p:stCondLst>
-                                        </p:cTn>
-                                        <p:tgtEl>
-                                          <p:spTgt spid="29"/>
-                                        </p:tgtEl>
-                                        <p:attrNameLst>
-                                          <p:attrName>style.visibility</p:attrName>
-                                        </p:attrNameLst>
-                                      </p:cBhvr>
-                                      <p:to>
-                                        <p:strVal val="hidden"/>
-                                      </p:to>
-                                    </p:set>
-                                  </p:childTnLst>
-                                </p:cTn>
-                              </p:par>
-                              <p:par>
-                                <p:cTn id="45" presetID="1" presetClass="exit" presetSubtype="0" fill="hold" grpId="1" nodeType="withEffect">
-                                  <p:stCondLst>
-                                    <p:cond delay="0"/>
-                                  </p:stCondLst>
-                                  <p:childTnLst>
-                                    <p:set>
-                                      <p:cBhvr>
-                                        <p:cTn id="46" dur="1" fill="hold">
-                                          <p:stCondLst>
-                                            <p:cond delay="0"/>
-                                          </p:stCondLst>
-                                        </p:cTn>
-                                        <p:tgtEl>
-                                          <p:spTgt spid="23"/>
-                                        </p:tgtEl>
-                                        <p:attrNameLst>
-                                          <p:attrName>style.visibility</p:attrName>
-                                        </p:attrNameLst>
-                                      </p:cBhvr>
-                                      <p:to>
-                                        <p:strVal val="hidden"/>
-                                      </p:to>
-                                    </p:set>
-                                  </p:childTnLst>
-                                </p:cTn>
-                              </p:par>
-                              <p:par>
-                                <p:cTn id="47" presetID="1" presetClass="exit" presetSubtype="0" fill="hold" grpId="1" nodeType="withEffect">
-                                  <p:stCondLst>
-                                    <p:cond delay="0"/>
-                                  </p:stCondLst>
-                                  <p:childTnLst>
-                                    <p:set>
-                                      <p:cBhvr>
-                                        <p:cTn id="48" dur="1" fill="hold">
-                                          <p:stCondLst>
-                                            <p:cond delay="0"/>
-                                          </p:stCondLst>
-                                        </p:cTn>
-                                        <p:tgtEl>
-                                          <p:spTgt spid="28"/>
                                         </p:tgtEl>
                                         <p:attrNameLst>
                                           <p:attrName>style.visibility</p:attrName>
@@ -7770,18 +9611,6 @@
     <p:bldLst>
       <p:bldP spid="4" grpId="0" animBg="1"/>
       <p:bldP spid="4" grpId="1" uiExpand="1" build="allAtOnce" animBg="1"/>
-      <p:bldP spid="22" grpId="0" animBg="1"/>
-      <p:bldP spid="22" grpId="1" animBg="1"/>
-      <p:bldP spid="25" grpId="0" animBg="1"/>
-      <p:bldP spid="25" grpId="1" animBg="1"/>
-      <p:bldP spid="26" grpId="0" animBg="1"/>
-      <p:bldP spid="26" grpId="1" animBg="1"/>
-      <p:bldP spid="23" grpId="0" animBg="1"/>
-      <p:bldP spid="23" grpId="1" animBg="1"/>
-      <p:bldP spid="28" grpId="0" animBg="1"/>
-      <p:bldP spid="28" grpId="1" animBg="1"/>
-      <p:bldP spid="29" grpId="0" animBg="1"/>
-      <p:bldP spid="29" grpId="1" animBg="1"/>
     </p:bldLst>
   </p:timing>
 </p:sld>
@@ -7800,12 +9629,6 @@
 </file>
 
 <file path=ppt/tags/tag3.xml><?xml version="1.0" encoding="utf-8"?>
-<p:tagLst xmlns:a="http://schemas.openxmlformats.org/drawingml/2006/main" xmlns:r="http://schemas.openxmlformats.org/officeDocument/2006/relationships" xmlns:p="http://schemas.openxmlformats.org/presentationml/2006/main">
-  <p:tag name="TIMING" val="|3.8"/>
-</p:tagLst>
-</file>
-
-<file path=ppt/tags/tag4.xml><?xml version="1.0" encoding="utf-8"?>
 <p:tagLst xmlns:a="http://schemas.openxmlformats.org/drawingml/2006/main" xmlns:r="http://schemas.openxmlformats.org/officeDocument/2006/relationships" xmlns:p="http://schemas.openxmlformats.org/presentationml/2006/main">
   <p:tag name="TIMING" val="|3.8"/>
 </p:tagLst>
